--- a/selfportfolio-2018.pptx
+++ b/selfportfolio-2018.pptx
@@ -2,7 +2,7 @@
 <file path=ppt/presentation.xml><?xml version="1.0" encoding="utf-8"?>
 <p:presentation xmlns:r="http://schemas.openxmlformats.org/officeDocument/2006/relationships" xmlns:c="http://schemas.openxmlformats.org/drawingml/2006/chart" xmlns:a="http://schemas.openxmlformats.org/drawingml/2006/main" xmlns:dgm="http://schemas.openxmlformats.org/drawingml/2006/diagram" xmlns:dsp="http://schemas.microsoft.com/office/drawing/2008/diagram" xmlns:p="http://schemas.openxmlformats.org/presentationml/2006/main" saveSubsetFonts="1">
   <p:sldMasterIdLst>
-    <p:sldMasterId id="2147483684" r:id="rId1"/>
+    <p:sldMasterId id="2147483680" r:id="rId1"/>
   </p:sldMasterIdLst>
   <p:handoutMasterIdLst>
     <p:handoutMasterId r:id="rId2"/>
@@ -3953,7 +3953,7 @@
         </p:nvSpPr>
         <p:spPr>
           <a:xfrm>
-            <a:off x="5268126" y="2865155"/>
+            <a:off x="5268126" y="3065180"/>
             <a:ext cx="1691355" cy="792266"/>
           </a:xfrm>
           <a:prstGeom prst="rect">
@@ -4023,7 +4023,7 @@
         </p:nvSpPr>
         <p:spPr>
           <a:xfrm>
-            <a:off x="1600557" y="4160377"/>
+            <a:off x="1724382" y="4360402"/>
             <a:ext cx="1691355" cy="792266"/>
           </a:xfrm>
           <a:prstGeom prst="rect">
@@ -4093,7 +4093,7 @@
         </p:nvSpPr>
         <p:spPr>
           <a:xfrm>
-            <a:off x="4119786" y="4160377"/>
+            <a:off x="4243611" y="4360402"/>
             <a:ext cx="1691355" cy="792266"/>
           </a:xfrm>
           <a:prstGeom prst="rect">
@@ -4163,7 +4163,7 @@
         </p:nvSpPr>
         <p:spPr>
           <a:xfrm>
-            <a:off x="7210959" y="4160377"/>
+            <a:off x="6972834" y="4360402"/>
             <a:ext cx="1691355" cy="792266"/>
           </a:xfrm>
           <a:prstGeom prst="rect">
@@ -4233,7 +4233,7 @@
         </p:nvSpPr>
         <p:spPr>
           <a:xfrm>
-            <a:off x="9144000" y="4160377"/>
+            <a:off x="8905875" y="4360402"/>
             <a:ext cx="1691355" cy="792266"/>
           </a:xfrm>
           <a:prstGeom prst="rect">
@@ -4306,8 +4306,8 @@
         </p:nvCxnSpPr>
         <p:spPr>
           <a:xfrm rot="5400000">
-            <a:off x="4028541" y="2075115"/>
-            <a:ext cx="502955" cy="3667569"/>
+            <a:off x="4090453" y="2337052"/>
+            <a:ext cx="502956" cy="3543744"/>
           </a:xfrm>
           <a:prstGeom prst="bentConnector3">
             <a:avLst>
@@ -4332,8 +4332,8 @@
         </p:nvCxnSpPr>
         <p:spPr>
           <a:xfrm rot="5400000">
-            <a:off x="5288156" y="3334728"/>
-            <a:ext cx="502956" cy="1148341"/>
+            <a:off x="5350068" y="3596666"/>
+            <a:ext cx="502956" cy="1024515"/>
           </a:xfrm>
           <a:prstGeom prst="bentConnector3">
             <a:avLst>
@@ -4358,8 +4358,8 @@
         </p:nvCxnSpPr>
         <p:spPr>
           <a:xfrm rot="5400000" flipV="1">
-            <a:off x="6833742" y="2937482"/>
-            <a:ext cx="502956" cy="1942833"/>
+            <a:off x="6714679" y="3256570"/>
+            <a:ext cx="502956" cy="1704708"/>
           </a:xfrm>
           <a:prstGeom prst="bentConnector3">
             <a:avLst>
@@ -4383,7 +4383,7 @@
         </p:nvCxnSpPr>
         <p:spPr>
           <a:xfrm rot="5400000" flipV="1">
-            <a:off x="7800260" y="1970960"/>
+            <a:off x="7800260" y="2170985"/>
             <a:ext cx="502958" cy="3875877"/>
           </a:xfrm>
           <a:prstGeom prst="bentConnector3">
@@ -4398,16 +4398,66 @@
           </a:ln>
         </p:spPr>
       </p:cxnSp>
-      <p:sp>
-        <p:nvSpPr>
-          <p:cNvPr id="23" name=""/>
+      <p:cxnSp>
+        <p:nvCxnSpPr>
+          <p:cNvPr id="45" name=""/>
+          <p:cNvCxnSpPr/>
+          <p:nvPr/>
+        </p:nvCxnSpPr>
+        <p:spPr>
+          <a:xfrm>
+            <a:off x="4969913" y="5731558"/>
+            <a:ext cx="745264" cy="219252"/>
+          </a:xfrm>
+          <a:prstGeom prst="bentConnector2">
+            <a:avLst/>
+          </a:prstGeom>
+        </p:spPr>
+      </p:cxnSp>
+      <p:cxnSp>
+        <p:nvCxnSpPr>
+          <p:cNvPr id="47" name=""/>
+          <p:cNvCxnSpPr>
+            <a:stCxn id="15" idx="2"/>
+          </p:cNvCxnSpPr>
+          <p:nvPr/>
+        </p:nvCxnSpPr>
+        <p:spPr>
+          <a:xfrm rot="5400000">
+            <a:off x="7342840" y="5448876"/>
+            <a:ext cx="771880" cy="179463"/>
+          </a:xfrm>
+          <a:prstGeom prst="line">
+            <a:avLst/>
+          </a:prstGeom>
+        </p:spPr>
+      </p:cxnSp>
+      <p:cxnSp>
+        <p:nvCxnSpPr>
+          <p:cNvPr id="54" name=""/>
+          <p:cNvCxnSpPr/>
+          <p:nvPr/>
+        </p:nvCxnSpPr>
+        <p:spPr>
+          <a:xfrm>
+            <a:off x="13043909" y="3304374"/>
+            <a:ext cx="914400" cy="914400"/>
+          </a:xfrm>
+          <a:prstGeom prst="line">
+            <a:avLst/>
+          </a:prstGeom>
+        </p:spPr>
+      </p:cxnSp>
+      <p:sp>
+        <p:nvSpPr>
+          <p:cNvPr id="56" name=""/>
           <p:cNvSpPr/>
           <p:nvPr/>
         </p:nvSpPr>
         <p:spPr>
           <a:xfrm>
-            <a:off x="3120995" y="6178697"/>
-            <a:ext cx="1281868" cy="605327"/>
+            <a:off x="5263363" y="2094990"/>
+            <a:ext cx="1691355" cy="792266"/>
           </a:xfrm>
           <a:prstGeom prst="rect">
             <a:avLst/>
@@ -4451,416 +4501,6 @@
               <a:rPr lang="en-US" altLang="ko-KR">
                 <a:solidFill>
                   <a:schemeClr val="tx1">
-                    <a:lumMod val="60000"/>
-                    <a:lumOff val="40000"/>
-                  </a:schemeClr>
-                </a:solidFill>
-              </a:rPr>
-              <a:t>Chat</a:t>
-            </a:r>
-            <a:endParaRPr lang="en-US" altLang="ko-KR">
-              <a:solidFill>
-                <a:schemeClr val="tx1">
-                  <a:lumMod val="60000"/>
-                  <a:lumOff val="40000"/>
-                </a:schemeClr>
-              </a:solidFill>
-            </a:endParaRPr>
-          </a:p>
-        </p:txBody>
-      </p:sp>
-      <p:sp>
-        <p:nvSpPr>
-          <p:cNvPr id="24" name=""/>
-          <p:cNvSpPr/>
-          <p:nvPr/>
-        </p:nvSpPr>
-        <p:spPr>
-          <a:xfrm>
-            <a:off x="6173268" y="6198814"/>
-            <a:ext cx="1370888" cy="569719"/>
-          </a:xfrm>
-          <a:prstGeom prst="rect">
-            <a:avLst/>
-          </a:prstGeom>
-          <a:solidFill>
-            <a:schemeClr val="tx1">
-              <a:lumMod val="10000"/>
-              <a:lumOff val="90000"/>
-            </a:schemeClr>
-          </a:solidFill>
-          <a:ln>
-            <a:solidFill>
-              <a:schemeClr val="tx1"/>
-            </a:solidFill>
-          </a:ln>
-        </p:spPr>
-        <p:style>
-          <a:lnRef idx="2">
-            <a:schemeClr val="accent1">
-              <a:shade val="50000"/>
-            </a:schemeClr>
-          </a:lnRef>
-          <a:fillRef idx="1">
-            <a:schemeClr val="accent1"/>
-          </a:fillRef>
-          <a:effectRef idx="0">
-            <a:schemeClr val="accent1"/>
-          </a:effectRef>
-          <a:fontRef idx="minor">
-            <a:schemeClr val="lt1"/>
-          </a:fontRef>
-        </p:style>
-        <p:txBody>
-          <a:bodyPr anchor="ctr"/>
-          <a:lstStyle/>
-          <a:p>
-            <a:pPr algn="ctr">
-              <a:defRPr lang="en-US"/>
-            </a:pPr>
-            <a:r>
-              <a:rPr lang="en-US" altLang="ko-KR" sz="1500">
-                <a:solidFill>
-                  <a:schemeClr val="tx1">
-                    <a:lumMod val="60000"/>
-                    <a:lumOff val="40000"/>
-                  </a:schemeClr>
-                </a:solidFill>
-              </a:rPr>
-              <a:t>Comment</a:t>
-            </a:r>
-            <a:endParaRPr lang="en-US" altLang="ko-KR" sz="1500">
-              <a:solidFill>
-                <a:schemeClr val="tx1">
-                  <a:lumMod val="60000"/>
-                  <a:lumOff val="40000"/>
-                </a:schemeClr>
-              </a:solidFill>
-            </a:endParaRPr>
-          </a:p>
-        </p:txBody>
-      </p:sp>
-      <p:sp>
-        <p:nvSpPr>
-          <p:cNvPr id="29" name=""/>
-          <p:cNvSpPr/>
-          <p:nvPr/>
-        </p:nvSpPr>
-        <p:spPr>
-          <a:xfrm>
-            <a:off x="5987397" y="4322569"/>
-            <a:ext cx="979205" cy="471799"/>
-          </a:xfrm>
-          <a:prstGeom prst="rect">
-            <a:avLst/>
-          </a:prstGeom>
-          <a:solidFill>
-            <a:schemeClr val="tx1">
-              <a:lumMod val="10000"/>
-              <a:lumOff val="90000"/>
-            </a:schemeClr>
-          </a:solidFill>
-          <a:ln>
-            <a:solidFill>
-              <a:schemeClr val="tx1"/>
-            </a:solidFill>
-          </a:ln>
-        </p:spPr>
-        <p:style>
-          <a:lnRef idx="2">
-            <a:schemeClr val="accent1">
-              <a:shade val="50000"/>
-            </a:schemeClr>
-          </a:lnRef>
-          <a:fillRef idx="1">
-            <a:schemeClr val="accent1"/>
-          </a:fillRef>
-          <a:effectRef idx="0">
-            <a:schemeClr val="accent1"/>
-          </a:effectRef>
-          <a:fontRef idx="minor">
-            <a:schemeClr val="lt1"/>
-          </a:fontRef>
-        </p:style>
-        <p:txBody>
-          <a:bodyPr anchor="ctr"/>
-          <a:lstStyle/>
-          <a:p>
-            <a:pPr algn="ctr">
-              <a:defRPr lang="en-US"/>
-            </a:pPr>
-            <a:r>
-              <a:rPr lang="en-US" altLang="ko-KR">
-                <a:solidFill>
-                  <a:schemeClr val="tx1">
-                    <a:lumMod val="60000"/>
-                    <a:lumOff val="40000"/>
-                  </a:schemeClr>
-                </a:solidFill>
-              </a:rPr>
-              <a:t>video</a:t>
-            </a:r>
-            <a:endParaRPr lang="en-US" altLang="ko-KR">
-              <a:solidFill>
-                <a:schemeClr val="tx1">
-                  <a:lumMod val="60000"/>
-                  <a:lumOff val="40000"/>
-                </a:schemeClr>
-              </a:solidFill>
-            </a:endParaRPr>
-          </a:p>
-        </p:txBody>
-      </p:sp>
-      <p:cxnSp>
-        <p:nvCxnSpPr>
-          <p:cNvPr id="31" name=""/>
-          <p:cNvCxnSpPr>
-            <a:stCxn id="13" idx="2"/>
-            <a:endCxn id="24" idx="0"/>
-          </p:cNvCxnSpPr>
-          <p:nvPr/>
-        </p:nvCxnSpPr>
-        <p:spPr>
-          <a:xfrm>
-            <a:off x="2446234" y="4952643"/>
-            <a:ext cx="4412477" cy="1246171"/>
-          </a:xfrm>
-          <a:prstGeom prst="line">
-            <a:avLst/>
-          </a:prstGeom>
-        </p:spPr>
-      </p:cxnSp>
-      <p:cxnSp>
-        <p:nvCxnSpPr>
-          <p:cNvPr id="45" name=""/>
-          <p:cNvCxnSpPr/>
-          <p:nvPr/>
-        </p:nvCxnSpPr>
-        <p:spPr>
-          <a:xfrm>
-            <a:off x="4969913" y="5731558"/>
-            <a:ext cx="745264" cy="219252"/>
-          </a:xfrm>
-          <a:prstGeom prst="bentConnector2">
-            <a:avLst/>
-          </a:prstGeom>
-        </p:spPr>
-      </p:cxnSp>
-      <p:cxnSp>
-        <p:nvCxnSpPr>
-          <p:cNvPr id="47" name=""/>
-          <p:cNvCxnSpPr>
-            <a:stCxn id="15" idx="2"/>
-          </p:cNvCxnSpPr>
-          <p:nvPr/>
-        </p:nvCxnSpPr>
-        <p:spPr>
-          <a:xfrm rot="5400000">
-            <a:off x="7361889" y="5229802"/>
-            <a:ext cx="971906" cy="417588"/>
-          </a:xfrm>
-          <a:prstGeom prst="line">
-            <a:avLst/>
-          </a:prstGeom>
-        </p:spPr>
-      </p:cxnSp>
-      <p:cxnSp>
-        <p:nvCxnSpPr>
-          <p:cNvPr id="49" name=""/>
-          <p:cNvCxnSpPr>
-            <a:stCxn id="13" idx="2"/>
-            <a:endCxn id="23" idx="0"/>
-          </p:cNvCxnSpPr>
-          <p:nvPr/>
-        </p:nvCxnSpPr>
-        <p:spPr>
-          <a:xfrm rot="5400000" flipV="1">
-            <a:off x="2491055" y="4907822"/>
-            <a:ext cx="1226054" cy="1315695"/>
-          </a:xfrm>
-          <a:prstGeom prst="bentConnector3">
-            <a:avLst>
-              <a:gd name="adj1" fmla="val 50000"/>
-            </a:avLst>
-          </a:prstGeom>
-          <a:ln>
-            <a:solidFill>
-              <a:schemeClr val="tx1"/>
-            </a:solidFill>
-          </a:ln>
-        </p:spPr>
-      </p:cxnSp>
-      <p:cxnSp>
-        <p:nvCxnSpPr>
-          <p:cNvPr id="50" name=""/>
-          <p:cNvCxnSpPr>
-            <a:stCxn id="13" idx="2"/>
-            <a:endCxn id="24" idx="0"/>
-          </p:cNvCxnSpPr>
-          <p:nvPr/>
-        </p:nvCxnSpPr>
-        <p:spPr>
-          <a:xfrm rot="5400000" flipV="1">
-            <a:off x="4029387" y="3369490"/>
-            <a:ext cx="1246171" cy="4412477"/>
-          </a:xfrm>
-          <a:prstGeom prst="bentConnector3">
-            <a:avLst>
-              <a:gd name="adj1" fmla="val 50000"/>
-            </a:avLst>
-          </a:prstGeom>
-          <a:ln>
-            <a:solidFill>
-              <a:schemeClr val="tx1"/>
-            </a:solidFill>
-          </a:ln>
-        </p:spPr>
-      </p:cxnSp>
-      <p:cxnSp>
-        <p:nvCxnSpPr>
-          <p:cNvPr id="52" name=""/>
-          <p:cNvCxnSpPr>
-            <a:stCxn id="14" idx="2"/>
-            <a:endCxn id="23" idx="0"/>
-          </p:cNvCxnSpPr>
-          <p:nvPr/>
-        </p:nvCxnSpPr>
-        <p:spPr>
-          <a:xfrm rot="5400000">
-            <a:off x="3750671" y="4963902"/>
-            <a:ext cx="1226053" cy="1203537"/>
-          </a:xfrm>
-          <a:prstGeom prst="bentConnector3">
-            <a:avLst>
-              <a:gd name="adj1" fmla="val 50000"/>
-            </a:avLst>
-          </a:prstGeom>
-          <a:ln>
-            <a:solidFill>
-              <a:schemeClr val="tx1"/>
-            </a:solidFill>
-          </a:ln>
-        </p:spPr>
-      </p:cxnSp>
-      <p:cxnSp>
-        <p:nvCxnSpPr>
-          <p:cNvPr id="53" name=""/>
-          <p:cNvCxnSpPr>
-            <a:stCxn id="15" idx="2"/>
-            <a:endCxn id="23" idx="0"/>
-          </p:cNvCxnSpPr>
-          <p:nvPr/>
-        </p:nvCxnSpPr>
-        <p:spPr>
-          <a:xfrm rot="5400000">
-            <a:off x="5296256" y="3418316"/>
-            <a:ext cx="1226054" cy="4294706"/>
-          </a:xfrm>
-          <a:prstGeom prst="bentConnector3">
-            <a:avLst>
-              <a:gd name="adj1" fmla="val 50000"/>
-            </a:avLst>
-          </a:prstGeom>
-          <a:ln>
-            <a:solidFill>
-              <a:schemeClr val="tx1"/>
-            </a:solidFill>
-          </a:ln>
-        </p:spPr>
-      </p:cxnSp>
-      <p:cxnSp>
-        <p:nvCxnSpPr>
-          <p:cNvPr id="54" name=""/>
-          <p:cNvCxnSpPr/>
-          <p:nvPr/>
-        </p:nvCxnSpPr>
-        <p:spPr>
-          <a:xfrm>
-            <a:off x="13043909" y="3304374"/>
-            <a:ext cx="914400" cy="914400"/>
-          </a:xfrm>
-          <a:prstGeom prst="line">
-            <a:avLst/>
-          </a:prstGeom>
-        </p:spPr>
-      </p:cxnSp>
-      <p:cxnSp>
-        <p:nvCxnSpPr>
-          <p:cNvPr id="55" name=""/>
-          <p:cNvCxnSpPr>
-            <a:stCxn id="14" idx="3"/>
-            <a:endCxn id="29" idx="1"/>
-          </p:cNvCxnSpPr>
-          <p:nvPr/>
-        </p:nvCxnSpPr>
-        <p:spPr>
-          <a:xfrm>
-            <a:off x="5811141" y="4556510"/>
-            <a:ext cx="176256" cy="1959"/>
-          </a:xfrm>
-          <a:prstGeom prst="line">
-            <a:avLst/>
-          </a:prstGeom>
-          <a:ln>
-            <a:solidFill>
-              <a:schemeClr val="tx1"/>
-            </a:solidFill>
-          </a:ln>
-        </p:spPr>
-      </p:cxnSp>
-      <p:sp>
-        <p:nvSpPr>
-          <p:cNvPr id="56" name=""/>
-          <p:cNvSpPr/>
-          <p:nvPr/>
-        </p:nvSpPr>
-        <p:spPr>
-          <a:xfrm>
-            <a:off x="5263363" y="1894965"/>
-            <a:ext cx="1691355" cy="792266"/>
-          </a:xfrm>
-          <a:prstGeom prst="rect">
-            <a:avLst/>
-          </a:prstGeom>
-          <a:solidFill>
-            <a:schemeClr val="tx1">
-              <a:lumMod val="10000"/>
-              <a:lumOff val="90000"/>
-            </a:schemeClr>
-          </a:solidFill>
-          <a:ln>
-            <a:solidFill>
-              <a:schemeClr val="tx1"/>
-            </a:solidFill>
-          </a:ln>
-        </p:spPr>
-        <p:style>
-          <a:lnRef idx="2">
-            <a:schemeClr val="accent1">
-              <a:shade val="50000"/>
-            </a:schemeClr>
-          </a:lnRef>
-          <a:fillRef idx="1">
-            <a:schemeClr val="accent1"/>
-          </a:fillRef>
-          <a:effectRef idx="0">
-            <a:schemeClr val="accent1"/>
-          </a:effectRef>
-          <a:fontRef idx="minor">
-            <a:schemeClr val="lt1"/>
-          </a:fontRef>
-        </p:style>
-        <p:txBody>
-          <a:bodyPr anchor="ctr"/>
-          <a:lstStyle/>
-          <a:p>
-            <a:pPr algn="ctr">
-              <a:defRPr lang="en-US"/>
-            </a:pPr>
-            <a:r>
-              <a:rPr lang="en-US" altLang="ko-KR">
-                <a:solidFill>
-                  <a:schemeClr val="tx1">
                     <a:lumMod val="70000"/>
                     <a:lumOff val="30000"/>
                   </a:schemeClr>
@@ -4890,7 +4530,7 @@
         </p:nvCxnSpPr>
         <p:spPr>
           <a:xfrm rot="16200000" flipH="1">
-            <a:off x="6022460" y="2773812"/>
+            <a:off x="6022460" y="2973837"/>
             <a:ext cx="177923" cy="4762"/>
           </a:xfrm>
           <a:prstGeom prst="line">
@@ -4905,194 +4545,504 @@
       </p:cxnSp>
       <p:sp>
         <p:nvSpPr>
-          <p:cNvPr id="59" name=""/>
-          <p:cNvSpPr/>
+          <p:cNvPr id="63" name="TextBox 17"/>
+          <p:cNvSpPr txBox="1"/>
           <p:nvPr/>
         </p:nvSpPr>
         <p:spPr>
           <a:xfrm>
-            <a:off x="7262825" y="2863795"/>
-            <a:ext cx="1691355" cy="792266"/>
+            <a:off x="7060317" y="3121585"/>
+            <a:ext cx="3390068" cy="638885"/>
           </a:xfrm>
           <a:prstGeom prst="rect">
             <a:avLst/>
           </a:prstGeom>
-          <a:solidFill>
-            <a:schemeClr val="tx1">
-              <a:lumMod val="10000"/>
-              <a:lumOff val="90000"/>
-            </a:schemeClr>
-          </a:solidFill>
-          <a:ln>
-            <a:solidFill>
-              <a:schemeClr val="tx1"/>
-            </a:solidFill>
-          </a:ln>
-        </p:spPr>
-        <p:style>
-          <a:lnRef idx="2">
-            <a:schemeClr val="accent1">
-              <a:shade val="50000"/>
-            </a:schemeClr>
-          </a:lnRef>
-          <a:fillRef idx="1">
-            <a:schemeClr val="accent1"/>
-          </a:fillRef>
-          <a:effectRef idx="0">
-            <a:schemeClr val="accent1"/>
-          </a:effectRef>
-          <a:fontRef idx="minor">
-            <a:schemeClr val="lt1"/>
-          </a:fontRef>
-        </p:style>
-        <p:txBody>
-          <a:bodyPr anchor="ctr"/>
+          <a:noFill/>
+        </p:spPr>
+        <p:txBody>
+          <a:bodyPr wrap="square">
+            <a:spAutoFit/>
+          </a:bodyPr>
           <a:lstStyle/>
           <a:p>
-            <a:pPr algn="ctr">
-              <a:defRPr lang="en-US"/>
+            <a:pPr marL="180975" indent="-180975">
+              <a:lnSpc>
+                <a:spcPct val="130000"/>
+              </a:lnSpc>
+              <a:buFont typeface="Wingdings"/>
+              <a:buChar char="§"/>
+              <a:defRPr lang="ko-KR" altLang="en-US"/>
             </a:pPr>
             <a:r>
-              <a:rPr lang="en-US" altLang="ko-KR">
+              <a:rPr lang="en-US" altLang="ko-KR" sz="1400" spc="-145">
                 <a:solidFill>
                   <a:schemeClr val="tx1">
-                    <a:lumMod val="70000"/>
-                    <a:lumOff val="30000"/>
+                    <a:lumMod val="60000"/>
+                    <a:lumOff val="40000"/>
                   </a:schemeClr>
                 </a:solidFill>
+                <a:latin typeface="Noto Sans CJK KR Thin"/>
+                <a:ea typeface="Noto Sans CJK KR Thin"/>
+                <a:cs typeface="Arial"/>
+              </a:rPr>
+              <a:t>MySQL</a:t>
+            </a:r>
+            <a:endParaRPr lang="en-US" altLang="ko-KR" sz="1400" spc="-145">
+              <a:solidFill>
+                <a:schemeClr val="tx1">
+                  <a:lumMod val="60000"/>
+                  <a:lumOff val="40000"/>
+                </a:schemeClr>
+              </a:solidFill>
+              <a:latin typeface="Noto Sans CJK KR Thin"/>
+              <a:ea typeface="Noto Sans CJK KR Thin"/>
+              <a:cs typeface="Arial"/>
+            </a:endParaRPr>
+          </a:p>
+          <a:p>
+            <a:pPr marL="180975" indent="-180975">
+              <a:lnSpc>
+                <a:spcPct val="130000"/>
+              </a:lnSpc>
+              <a:buFont typeface="Wingdings"/>
+              <a:buChar char="§"/>
+              <a:defRPr lang="ko-KR" altLang="en-US"/>
+            </a:pPr>
+            <a:r>
+              <a:rPr lang="en-US" altLang="ko-KR" sz="1400" spc="-145">
+                <a:solidFill>
+                  <a:schemeClr val="tx1">
+                    <a:lumMod val="60000"/>
+                    <a:lumOff val="40000"/>
+                  </a:schemeClr>
+                </a:solidFill>
+                <a:latin typeface="Noto Sans CJK KR Thin"/>
+                <a:ea typeface="Noto Sans CJK KR Thin"/>
+                <a:cs typeface="Arial"/>
               </a:rPr>
               <a:t>Node.js</a:t>
             </a:r>
-            <a:endParaRPr lang="en-US" altLang="ko-KR">
+            <a:endParaRPr lang="en-US" altLang="ko-KR" sz="1400" spc="-145">
               <a:solidFill>
                 <a:schemeClr val="tx1">
-                  <a:lumMod val="70000"/>
-                  <a:lumOff val="30000"/>
+                  <a:lumMod val="60000"/>
+                  <a:lumOff val="40000"/>
                 </a:schemeClr>
               </a:solidFill>
+              <a:latin typeface="Noto Sans CJK KR Thin"/>
+              <a:ea typeface="Noto Sans CJK KR Thin"/>
+              <a:cs typeface="Arial"/>
             </a:endParaRPr>
           </a:p>
         </p:txBody>
       </p:sp>
       <p:sp>
         <p:nvSpPr>
-          <p:cNvPr id="60" name=""/>
-          <p:cNvSpPr/>
+          <p:cNvPr id="64" name="TextBox 17"/>
+          <p:cNvSpPr txBox="1"/>
           <p:nvPr/>
         </p:nvSpPr>
         <p:spPr>
           <a:xfrm>
-            <a:off x="3353601" y="2865155"/>
-            <a:ext cx="1691355" cy="792266"/>
+            <a:off x="4220888" y="5158866"/>
+            <a:ext cx="1752124" cy="916179"/>
           </a:xfrm>
           <a:prstGeom prst="rect">
             <a:avLst/>
           </a:prstGeom>
-          <a:solidFill>
-            <a:schemeClr val="tx1">
-              <a:lumMod val="10000"/>
-              <a:lumOff val="90000"/>
-            </a:schemeClr>
-          </a:solidFill>
-          <a:ln>
-            <a:solidFill>
-              <a:schemeClr val="tx1"/>
-            </a:solidFill>
-          </a:ln>
-        </p:spPr>
-        <p:style>
-          <a:lnRef idx="2">
-            <a:schemeClr val="accent1">
-              <a:shade val="50000"/>
-            </a:schemeClr>
-          </a:lnRef>
-          <a:fillRef idx="1">
-            <a:schemeClr val="accent1"/>
-          </a:fillRef>
-          <a:effectRef idx="0">
-            <a:schemeClr val="accent1"/>
-          </a:effectRef>
-          <a:fontRef idx="minor">
-            <a:schemeClr val="lt1"/>
-          </a:fontRef>
-        </p:style>
-        <p:txBody>
-          <a:bodyPr anchor="ctr"/>
+          <a:noFill/>
+        </p:spPr>
+        <p:txBody>
+          <a:bodyPr wrap="square">
+            <a:spAutoFit/>
+          </a:bodyPr>
           <a:lstStyle/>
           <a:p>
-            <a:pPr algn="ctr">
-              <a:defRPr lang="en-US"/>
+            <a:pPr marL="180975" indent="-180975">
+              <a:lnSpc>
+                <a:spcPct val="130000"/>
+              </a:lnSpc>
+              <a:buFont typeface="Wingdings"/>
+              <a:buChar char="§"/>
+              <a:defRPr lang="ko-KR" altLang="en-US"/>
             </a:pPr>
             <a:r>
-              <a:rPr lang="en-US" altLang="ko-KR">
+              <a:rPr lang="en-US" altLang="ko-KR" sz="1400" spc="-145">
                 <a:solidFill>
                   <a:schemeClr val="tx1">
-                    <a:lumMod val="70000"/>
-                    <a:lumOff val="30000"/>
+                    <a:lumMod val="60000"/>
+                    <a:lumOff val="40000"/>
                   </a:schemeClr>
                 </a:solidFill>
+                <a:latin typeface="Noto Sans CJK KR Thin"/>
+                <a:ea typeface="Noto Sans CJK KR Thin"/>
+                <a:cs typeface="Arial"/>
               </a:rPr>
-              <a:t>MySQL</a:t>
-            </a:r>
-            <a:endParaRPr lang="en-US" altLang="ko-KR">
+              <a:t>Video</a:t>
+            </a:r>
+            <a:endParaRPr lang="en-US" altLang="ko-KR" sz="1400" spc="-145">
               <a:solidFill>
                 <a:schemeClr val="tx1">
-                  <a:lumMod val="70000"/>
-                  <a:lumOff val="30000"/>
+                  <a:lumMod val="60000"/>
+                  <a:lumOff val="40000"/>
                 </a:schemeClr>
               </a:solidFill>
+              <a:latin typeface="Noto Sans CJK KR Thin"/>
+              <a:ea typeface="Noto Sans CJK KR Thin"/>
+              <a:cs typeface="Arial"/>
             </a:endParaRPr>
           </a:p>
-        </p:txBody>
-      </p:sp>
-      <p:cxnSp>
-        <p:nvCxnSpPr>
-          <p:cNvPr id="61" name=""/>
-          <p:cNvCxnSpPr>
-            <a:stCxn id="60" idx="3"/>
-            <a:endCxn id="10" idx="1"/>
-          </p:cNvCxnSpPr>
+          <a:p>
+            <a:pPr marL="180975" indent="-180975">
+              <a:lnSpc>
+                <a:spcPct val="130000"/>
+              </a:lnSpc>
+              <a:buFont typeface="Wingdings"/>
+              <a:buChar char="§"/>
+              <a:defRPr lang="ko-KR" altLang="en-US"/>
+            </a:pPr>
+            <a:r>
+              <a:rPr lang="en-US" altLang="ko-KR" sz="1400" spc="-145">
+                <a:solidFill>
+                  <a:schemeClr val="tx1">
+                    <a:lumMod val="60000"/>
+                    <a:lumOff val="40000"/>
+                  </a:schemeClr>
+                </a:solidFill>
+                <a:latin typeface="Noto Sans CJK KR Thin"/>
+                <a:ea typeface="Noto Sans CJK KR Thin"/>
+                <a:cs typeface="Arial"/>
+              </a:rPr>
+              <a:t>Chat</a:t>
+            </a:r>
+            <a:endParaRPr lang="en-US" altLang="ko-KR" sz="1400" spc="-145">
+              <a:solidFill>
+                <a:schemeClr val="tx1">
+                  <a:lumMod val="60000"/>
+                  <a:lumOff val="40000"/>
+                </a:schemeClr>
+              </a:solidFill>
+              <a:latin typeface="Noto Sans CJK KR Thin"/>
+              <a:ea typeface="Noto Sans CJK KR Thin"/>
+              <a:cs typeface="Arial"/>
+            </a:endParaRPr>
+          </a:p>
+          <a:p>
+            <a:pPr marL="180975" indent="-180975">
+              <a:lnSpc>
+                <a:spcPct val="130000"/>
+              </a:lnSpc>
+              <a:buFont typeface="Wingdings"/>
+              <a:buChar char="§"/>
+              <a:defRPr lang="ko-KR" altLang="en-US"/>
+            </a:pPr>
+            <a:r>
+              <a:rPr lang="en-US" altLang="ko-KR" sz="1400" spc="-145">
+                <a:solidFill>
+                  <a:schemeClr val="tx1">
+                    <a:lumMod val="60000"/>
+                    <a:lumOff val="40000"/>
+                  </a:schemeClr>
+                </a:solidFill>
+                <a:latin typeface="Noto Sans CJK KR Thin"/>
+                <a:ea typeface="Noto Sans CJK KR Thin"/>
+                <a:cs typeface="Arial"/>
+              </a:rPr>
+              <a:t>Comment</a:t>
+            </a:r>
+            <a:endParaRPr lang="en-US" altLang="ko-KR" sz="1400" spc="-145">
+              <a:solidFill>
+                <a:schemeClr val="tx1">
+                  <a:lumMod val="60000"/>
+                  <a:lumOff val="40000"/>
+                </a:schemeClr>
+              </a:solidFill>
+              <a:latin typeface="Noto Sans CJK KR Thin"/>
+              <a:ea typeface="Noto Sans CJK KR Thin"/>
+              <a:cs typeface="Arial"/>
+            </a:endParaRPr>
+          </a:p>
+        </p:txBody>
+      </p:sp>
+      <p:sp>
+        <p:nvSpPr>
+          <p:cNvPr id="68" name="TextBox 17"/>
+          <p:cNvSpPr txBox="1"/>
           <p:nvPr/>
-        </p:nvCxnSpPr>
+        </p:nvSpPr>
         <p:spPr>
           <a:xfrm>
-            <a:off x="5044956" y="3261288"/>
-            <a:ext cx="223170" cy="0"/>
-          </a:xfrm>
-          <a:prstGeom prst="line">
+            <a:off x="1701392" y="5158866"/>
+            <a:ext cx="1752124" cy="639954"/>
+          </a:xfrm>
+          <a:prstGeom prst="rect">
             <a:avLst/>
           </a:prstGeom>
-          <a:ln>
-            <a:solidFill>
-              <a:schemeClr val="tx1"/>
-            </a:solidFill>
-          </a:ln>
-        </p:spPr>
-      </p:cxnSp>
-      <p:cxnSp>
-        <p:nvCxnSpPr>
-          <p:cNvPr id="62" name=""/>
-          <p:cNvCxnSpPr>
-            <a:stCxn id="10" idx="3"/>
-            <a:endCxn id="59" idx="1"/>
-          </p:cNvCxnSpPr>
+          <a:noFill/>
+        </p:spPr>
+        <p:txBody>
+          <a:bodyPr wrap="square">
+            <a:spAutoFit/>
+          </a:bodyPr>
+          <a:lstStyle/>
+          <a:p>
+            <a:pPr marL="180975" indent="-180975">
+              <a:lnSpc>
+                <a:spcPct val="130000"/>
+              </a:lnSpc>
+              <a:buFont typeface="Wingdings"/>
+              <a:buChar char="§"/>
+              <a:defRPr lang="ko-KR" altLang="en-US"/>
+            </a:pPr>
+            <a:r>
+              <a:rPr lang="en-US" altLang="ko-KR" sz="1400" spc="-145">
+                <a:solidFill>
+                  <a:schemeClr val="tx1">
+                    <a:lumMod val="60000"/>
+                    <a:lumOff val="40000"/>
+                  </a:schemeClr>
+                </a:solidFill>
+                <a:latin typeface="Noto Sans CJK KR Thin"/>
+                <a:ea typeface="Noto Sans CJK KR Thin"/>
+                <a:cs typeface="Arial"/>
+              </a:rPr>
+              <a:t>Chat</a:t>
+            </a:r>
+            <a:endParaRPr lang="en-US" altLang="ko-KR" sz="1400" spc="-145">
+              <a:solidFill>
+                <a:schemeClr val="tx1">
+                  <a:lumMod val="60000"/>
+                  <a:lumOff val="40000"/>
+                </a:schemeClr>
+              </a:solidFill>
+              <a:latin typeface="Noto Sans CJK KR Thin"/>
+              <a:ea typeface="Noto Sans CJK KR Thin"/>
+              <a:cs typeface="Arial"/>
+            </a:endParaRPr>
+          </a:p>
+          <a:p>
+            <a:pPr marL="180975" indent="-180975">
+              <a:lnSpc>
+                <a:spcPct val="130000"/>
+              </a:lnSpc>
+              <a:buFont typeface="Wingdings"/>
+              <a:buChar char="§"/>
+              <a:defRPr lang="ko-KR" altLang="en-US"/>
+            </a:pPr>
+            <a:r>
+              <a:rPr lang="en-US" altLang="ko-KR" sz="1400" spc="-145">
+                <a:solidFill>
+                  <a:schemeClr val="tx1">
+                    <a:lumMod val="60000"/>
+                    <a:lumOff val="40000"/>
+                  </a:schemeClr>
+                </a:solidFill>
+                <a:latin typeface="Noto Sans CJK KR Thin"/>
+                <a:ea typeface="Noto Sans CJK KR Thin"/>
+                <a:cs typeface="Arial"/>
+              </a:rPr>
+              <a:t>Comment</a:t>
+            </a:r>
+            <a:endParaRPr lang="en-US" altLang="ko-KR" sz="1400" spc="-145">
+              <a:solidFill>
+                <a:schemeClr val="tx1">
+                  <a:lumMod val="60000"/>
+                  <a:lumOff val="40000"/>
+                </a:schemeClr>
+              </a:solidFill>
+              <a:latin typeface="Noto Sans CJK KR Thin"/>
+              <a:ea typeface="Noto Sans CJK KR Thin"/>
+              <a:cs typeface="Arial"/>
+            </a:endParaRPr>
+          </a:p>
+        </p:txBody>
+      </p:sp>
+      <p:sp>
+        <p:nvSpPr>
+          <p:cNvPr id="69" name="TextBox 17"/>
+          <p:cNvSpPr txBox="1"/>
           <p:nvPr/>
-        </p:nvCxnSpPr>
-        <p:spPr>
-          <a:xfrm flipV="1">
-            <a:off x="6959481" y="3259928"/>
-            <a:ext cx="303344" cy="1359"/>
-          </a:xfrm>
-          <a:prstGeom prst="line">
+        </p:nvSpPr>
+        <p:spPr>
+          <a:xfrm>
+            <a:off x="8881818" y="5159487"/>
+            <a:ext cx="1752124" cy="639333"/>
+          </a:xfrm>
+          <a:prstGeom prst="rect">
             <a:avLst/>
           </a:prstGeom>
-          <a:ln>
-            <a:solidFill>
-              <a:schemeClr val="tx1"/>
-            </a:solidFill>
-          </a:ln>
-        </p:spPr>
-      </p:cxnSp>
+          <a:noFill/>
+        </p:spPr>
+        <p:txBody>
+          <a:bodyPr wrap="square">
+            <a:spAutoFit/>
+          </a:bodyPr>
+          <a:lstStyle/>
+          <a:p>
+            <a:pPr marL="180975" indent="-180975">
+              <a:lnSpc>
+                <a:spcPct val="130000"/>
+              </a:lnSpc>
+              <a:buFont typeface="Wingdings"/>
+              <a:buChar char="§"/>
+              <a:defRPr lang="ko-KR" altLang="en-US"/>
+            </a:pPr>
+            <a:r>
+              <a:rPr lang="en-US" altLang="ko-KR" sz="1400" spc="-145">
+                <a:solidFill>
+                  <a:schemeClr val="tx1">
+                    <a:lumMod val="60000"/>
+                    <a:lumOff val="40000"/>
+                  </a:schemeClr>
+                </a:solidFill>
+                <a:latin typeface="Noto Sans CJK KR Thin"/>
+                <a:ea typeface="Noto Sans CJK KR Thin"/>
+                <a:cs typeface="Arial"/>
+              </a:rPr>
+              <a:t>GitHubDesktop</a:t>
+            </a:r>
+            <a:endParaRPr lang="en-US" altLang="ko-KR" sz="1400" spc="-145">
+              <a:solidFill>
+                <a:schemeClr val="tx1">
+                  <a:lumMod val="60000"/>
+                  <a:lumOff val="40000"/>
+                </a:schemeClr>
+              </a:solidFill>
+              <a:latin typeface="Noto Sans CJK KR Thin"/>
+              <a:ea typeface="Noto Sans CJK KR Thin"/>
+              <a:cs typeface="Arial"/>
+            </a:endParaRPr>
+          </a:p>
+          <a:p>
+            <a:pPr marL="180975" indent="-180975">
+              <a:lnSpc>
+                <a:spcPct val="130000"/>
+              </a:lnSpc>
+              <a:buFont typeface="Wingdings"/>
+              <a:buChar char="§"/>
+              <a:defRPr lang="ko-KR" altLang="en-US"/>
+            </a:pPr>
+            <a:r>
+              <a:rPr lang="en-US" altLang="ko-KR" sz="1400" spc="-145">
+                <a:solidFill>
+                  <a:schemeClr val="tx1">
+                    <a:lumMod val="60000"/>
+                    <a:lumOff val="40000"/>
+                  </a:schemeClr>
+                </a:solidFill>
+                <a:latin typeface="Noto Sans CJK KR Thin"/>
+                <a:ea typeface="Noto Sans CJK KR Thin"/>
+                <a:cs typeface="Arial"/>
+              </a:rPr>
+              <a:t>GitHubRepositories</a:t>
+            </a:r>
+            <a:endParaRPr lang="en-US" altLang="ko-KR" sz="1400" spc="-145">
+              <a:solidFill>
+                <a:schemeClr val="tx1">
+                  <a:lumMod val="60000"/>
+                  <a:lumOff val="40000"/>
+                </a:schemeClr>
+              </a:solidFill>
+              <a:latin typeface="Noto Sans CJK KR Thin"/>
+              <a:ea typeface="Noto Sans CJK KR Thin"/>
+              <a:cs typeface="Arial"/>
+            </a:endParaRPr>
+          </a:p>
+        </p:txBody>
+      </p:sp>
+      <p:sp>
+        <p:nvSpPr>
+          <p:cNvPr id="70" name="TextBox 17"/>
+          <p:cNvSpPr txBox="1"/>
+          <p:nvPr/>
+        </p:nvSpPr>
+        <p:spPr>
+          <a:xfrm>
+            <a:off x="6976016" y="5178537"/>
+            <a:ext cx="1752124" cy="639954"/>
+          </a:xfrm>
+          <a:prstGeom prst="rect">
+            <a:avLst/>
+          </a:prstGeom>
+          <a:noFill/>
+        </p:spPr>
+        <p:txBody>
+          <a:bodyPr wrap="square">
+            <a:spAutoFit/>
+          </a:bodyPr>
+          <a:lstStyle/>
+          <a:p>
+            <a:pPr marL="180975" indent="-180975">
+              <a:lnSpc>
+                <a:spcPct val="130000"/>
+              </a:lnSpc>
+              <a:buFont typeface="Wingdings"/>
+              <a:buChar char="§"/>
+              <a:defRPr lang="ko-KR" altLang="en-US"/>
+            </a:pPr>
+            <a:r>
+              <a:rPr lang="en-US" altLang="ko-KR" sz="1400" spc="-145">
+                <a:solidFill>
+                  <a:schemeClr val="tx1">
+                    <a:lumMod val="60000"/>
+                    <a:lumOff val="40000"/>
+                  </a:schemeClr>
+                </a:solidFill>
+                <a:latin typeface="Noto Sans CJK KR Thin"/>
+                <a:ea typeface="Noto Sans CJK KR Thin"/>
+                <a:cs typeface="Arial"/>
+              </a:rPr>
+              <a:t>Chat</a:t>
+            </a:r>
+            <a:endParaRPr lang="en-US" altLang="ko-KR" sz="1400" spc="-145">
+              <a:solidFill>
+                <a:schemeClr val="tx1">
+                  <a:lumMod val="60000"/>
+                  <a:lumOff val="40000"/>
+                </a:schemeClr>
+              </a:solidFill>
+              <a:latin typeface="Noto Sans CJK KR Thin"/>
+              <a:ea typeface="Noto Sans CJK KR Thin"/>
+              <a:cs typeface="Arial"/>
+            </a:endParaRPr>
+          </a:p>
+          <a:p>
+            <a:pPr marL="180975" indent="-180975">
+              <a:lnSpc>
+                <a:spcPct val="130000"/>
+              </a:lnSpc>
+              <a:buFont typeface="Wingdings"/>
+              <a:buChar char="§"/>
+              <a:defRPr lang="ko-KR" altLang="en-US"/>
+            </a:pPr>
+            <a:r>
+              <a:rPr lang="en-US" altLang="ko-KR" sz="1400" spc="-145">
+                <a:solidFill>
+                  <a:schemeClr val="tx1">
+                    <a:lumMod val="60000"/>
+                    <a:lumOff val="40000"/>
+                  </a:schemeClr>
+                </a:solidFill>
+                <a:latin typeface="Noto Sans CJK KR Thin"/>
+                <a:ea typeface="Noto Sans CJK KR Thin"/>
+                <a:cs typeface="Arial"/>
+              </a:rPr>
+              <a:t>Comment</a:t>
+            </a:r>
+            <a:endParaRPr lang="en-US" altLang="ko-KR" sz="1400" spc="-145">
+              <a:solidFill>
+                <a:schemeClr val="tx1">
+                  <a:lumMod val="60000"/>
+                  <a:lumOff val="40000"/>
+                </a:schemeClr>
+              </a:solidFill>
+              <a:latin typeface="Noto Sans CJK KR Thin"/>
+              <a:ea typeface="Noto Sans CJK KR Thin"/>
+              <a:cs typeface="Arial"/>
+            </a:endParaRPr>
+          </a:p>
+        </p:txBody>
+      </p:sp>
     </p:spTree>
   </p:cSld>
   <p:clrMapOvr>

--- a/selfportfolio-2018.pptx
+++ b/selfportfolio-2018.pptx
@@ -2,7 +2,7 @@
 <file path=ppt/presentation.xml><?xml version="1.0" encoding="utf-8"?>
 <p:presentation xmlns:r="http://schemas.openxmlformats.org/officeDocument/2006/relationships" xmlns:c="http://schemas.openxmlformats.org/drawingml/2006/chart" xmlns:a="http://schemas.openxmlformats.org/drawingml/2006/main" xmlns:dgm="http://schemas.openxmlformats.org/drawingml/2006/diagram" xmlns:dsp="http://schemas.microsoft.com/office/drawing/2008/diagram" xmlns:p="http://schemas.openxmlformats.org/presentationml/2006/main" saveSubsetFonts="1">
   <p:sldMasterIdLst>
-    <p:sldMasterId id="2147483680" r:id="rId1"/>
+    <p:sldMasterId id="2147483688" r:id="rId1"/>
   </p:sldMasterIdLst>
   <p:handoutMasterIdLst>
     <p:handoutMasterId r:id="rId2"/>
@@ -24,6 +24,14 @@
     <p:sldId id="269" r:id="rId16"/>
     <p:sldId id="270" r:id="rId17"/>
     <p:sldId id="271" r:id="rId18"/>
+    <p:sldId id="272" r:id="rId19"/>
+    <p:sldId id="273" r:id="rId20"/>
+    <p:sldId id="274" r:id="rId21"/>
+    <p:sldId id="275" r:id="rId22"/>
+    <p:sldId id="276" r:id="rId23"/>
+    <p:sldId id="277" r:id="rId24"/>
+    <p:sldId id="278" r:id="rId25"/>
+    <p:sldId id="279" r:id="rId26"/>
   </p:sldIdLst>
   <p:sldSz cx="12192000" cy="6858000"/>
   <p:notesSz cx="6858000" cy="9144000"/>
@@ -220,7 +228,7 @@
               <a:pPr lvl="0">
                 <a:defRPr lang="ko-KR" altLang="en-US"/>
               </a:pPr>
-              <a:t>2022-11-28</a:t>
+              <a:t>2022-12-19</a:t>
             </a:fld>
             <a:endParaRPr lang="ko-KR" altLang="en-US"/>
           </a:p>
@@ -3299,7 +3307,7 @@
                   <a:schemeClr val="bg1"/>
                 </a:solidFill>
               </a:rPr>
-              <a:t>Web-Programming</a:t>
+              <a:t>Discover Lim</a:t>
             </a:r>
             <a:endParaRPr lang="en-US" altLang="ko-KR" sz="5400" b="1">
               <a:solidFill>
@@ -4552,7 +4560,7 @@
         <p:spPr>
           <a:xfrm>
             <a:off x="7060317" y="3121585"/>
-            <a:ext cx="3390068" cy="638885"/>
+            <a:ext cx="3390068" cy="915110"/>
           </a:xfrm>
           <a:prstGeom prst="rect">
             <a:avLst/>
@@ -4621,6 +4629,41 @@
                 <a:cs typeface="Arial"/>
               </a:rPr>
               <a:t>Node.js</a:t>
+            </a:r>
+            <a:endParaRPr lang="en-US" altLang="ko-KR" sz="1400" spc="-145">
+              <a:solidFill>
+                <a:schemeClr val="tx1">
+                  <a:lumMod val="60000"/>
+                  <a:lumOff val="40000"/>
+                </a:schemeClr>
+              </a:solidFill>
+              <a:latin typeface="Noto Sans CJK KR Thin"/>
+              <a:ea typeface="Noto Sans CJK KR Thin"/>
+              <a:cs typeface="Arial"/>
+            </a:endParaRPr>
+          </a:p>
+          <a:p>
+            <a:pPr marL="180975" indent="-180975">
+              <a:lnSpc>
+                <a:spcPct val="130000"/>
+              </a:lnSpc>
+              <a:buFont typeface="Wingdings"/>
+              <a:buChar char="§"/>
+              <a:defRPr lang="ko-KR" altLang="en-US"/>
+            </a:pPr>
+            <a:r>
+              <a:rPr lang="en-US" altLang="ko-KR" sz="1400" spc="-145">
+                <a:solidFill>
+                  <a:schemeClr val="tx1">
+                    <a:lumMod val="60000"/>
+                    <a:lumOff val="40000"/>
+                  </a:schemeClr>
+                </a:solidFill>
+                <a:latin typeface="Noto Sans CJK KR Thin"/>
+                <a:ea typeface="Noto Sans CJK KR Thin"/>
+                <a:cs typeface="Arial"/>
+              </a:rPr>
+              <a:t>React</a:t>
             </a:r>
             <a:endParaRPr lang="en-US" altLang="ko-KR" sz="1400" spc="-145">
               <a:solidFill>
@@ -7720,6 +7763,55 @@
       </p:grpSp>
       <p:sp>
         <p:nvSpPr>
+          <p:cNvPr id="18" name="TextBox 17"/>
+          <p:cNvSpPr txBox="1"/>
+          <p:nvPr/>
+        </p:nvSpPr>
+        <p:spPr>
+          <a:xfrm>
+            <a:off x="583459" y="3541759"/>
+            <a:ext cx="1441555" cy="752111"/>
+          </a:xfrm>
+          <a:prstGeom prst="rect">
+            <a:avLst/>
+          </a:prstGeom>
+          <a:noFill/>
+        </p:spPr>
+        <p:txBody>
+          <a:bodyPr wrap="none">
+            <a:spAutoFit/>
+          </a:bodyPr>
+          <a:lstStyle/>
+          <a:p>
+            <a:pPr lvl="0">
+              <a:defRPr lang="ko-KR" altLang="en-US"/>
+            </a:pPr>
+            <a:r>
+              <a:rPr lang="en-US" altLang="ko-KR" sz="4400" b="1" spc="-136">
+                <a:solidFill>
+                  <a:schemeClr val="bg1">
+                    <a:alpha val="70000"/>
+                  </a:schemeClr>
+                </a:solidFill>
+                <a:latin typeface="+mj-lt"/>
+                <a:ea typeface="THE명품고딕L"/>
+              </a:rPr>
+              <a:t>DOM</a:t>
+            </a:r>
+            <a:endParaRPr lang="en-US" altLang="ko-KR" sz="4400" b="1" spc="-136">
+              <a:solidFill>
+                <a:schemeClr val="bg1">
+                  <a:alpha val="70000"/>
+                </a:schemeClr>
+              </a:solidFill>
+              <a:latin typeface="+mj-lt"/>
+              <a:ea typeface="THE명품고딕L"/>
+            </a:endParaRPr>
+          </a:p>
+        </p:txBody>
+      </p:sp>
+      <p:sp>
+        <p:nvSpPr>
           <p:cNvPr id="11" name="TextBox 10"/>
           <p:cNvSpPr txBox="1"/>
           <p:nvPr/>
@@ -7872,55 +7964,6 @@
           </a:p>
         </p:txBody>
       </p:sp>
-      <p:sp>
-        <p:nvSpPr>
-          <p:cNvPr id="18" name="TextBox 17"/>
-          <p:cNvSpPr txBox="1"/>
-          <p:nvPr/>
-        </p:nvSpPr>
-        <p:spPr>
-          <a:xfrm>
-            <a:off x="619065" y="3604072"/>
-            <a:ext cx="4777799" cy="756472"/>
-          </a:xfrm>
-          <a:prstGeom prst="rect">
-            <a:avLst/>
-          </a:prstGeom>
-          <a:noFill/>
-        </p:spPr>
-        <p:txBody>
-          <a:bodyPr wrap="none">
-            <a:spAutoFit/>
-          </a:bodyPr>
-          <a:lstStyle/>
-          <a:p>
-            <a:pPr lvl="0">
-              <a:defRPr lang="ko-KR" altLang="en-US"/>
-            </a:pPr>
-            <a:r>
-              <a:rPr lang="en-US" altLang="ko-KR" sz="4400" b="1" spc="-136">
-                <a:solidFill>
-                  <a:schemeClr val="bg1">
-                    <a:alpha val="70000"/>
-                  </a:schemeClr>
-                </a:solidFill>
-                <a:latin typeface="+mj-lt"/>
-                <a:ea typeface="THE명품고딕L"/>
-              </a:rPr>
-              <a:t>Web Demonstrate</a:t>
-            </a:r>
-            <a:endParaRPr lang="en-US" altLang="ko-KR" sz="4400" b="1" spc="-136">
-              <a:solidFill>
-                <a:schemeClr val="bg1">
-                  <a:alpha val="70000"/>
-                </a:schemeClr>
-              </a:solidFill>
-              <a:latin typeface="+mj-lt"/>
-              <a:ea typeface="THE명품고딕L"/>
-            </a:endParaRPr>
-          </a:p>
-        </p:txBody>
-      </p:sp>
     </p:spTree>
   </p:cSld>
   <p:clrMapOvr>
@@ -7931,6 +7974,794 @@
 </file>
 
 <file path=ppt/slides/slide14.xml><?xml version="1.0" encoding="utf-8"?>
+<p:sld xmlns:r="http://schemas.openxmlformats.org/officeDocument/2006/relationships" xmlns:c="http://schemas.openxmlformats.org/drawingml/2006/chart" xmlns:a="http://schemas.openxmlformats.org/drawingml/2006/main" xmlns:dgm="http://schemas.openxmlformats.org/drawingml/2006/diagram" xmlns:dsp="http://schemas.microsoft.com/office/drawing/2008/diagram" xmlns:p="http://schemas.openxmlformats.org/presentationml/2006/main">
+  <p:cSld>
+    <p:spTree>
+      <p:nvGrpSpPr>
+        <p:cNvPr id="1" name=""/>
+        <p:cNvGrpSpPr/>
+        <p:nvPr/>
+      </p:nvGrpSpPr>
+      <p:grpSpPr>
+        <a:xfrm>
+          <a:off x="0" y="0"/>
+          <a:ext cx="0" cy="0"/>
+          <a:chOff x="0" y="0"/>
+          <a:chExt cx="0" cy="0"/>
+        </a:xfrm>
+      </p:grpSpPr>
+      <p:sp>
+        <p:nvSpPr>
+          <p:cNvPr id="2" name="직사각형 8"/>
+          <p:cNvSpPr/>
+          <p:nvPr/>
+        </p:nvSpPr>
+        <p:spPr>
+          <a:xfrm>
+            <a:off x="0" y="0"/>
+            <a:ext cx="12192000" cy="1638300"/>
+          </a:xfrm>
+          <a:prstGeom prst="rect">
+            <a:avLst/>
+          </a:prstGeom>
+          <a:solidFill>
+            <a:schemeClr val="bg2"/>
+          </a:solidFill>
+          <a:ln>
+            <a:noFill/>
+          </a:ln>
+        </p:spPr>
+        <p:style>
+          <a:lnRef idx="2">
+            <a:schemeClr val="accent1">
+              <a:shade val="50000"/>
+            </a:schemeClr>
+          </a:lnRef>
+          <a:fillRef idx="1">
+            <a:schemeClr val="accent1"/>
+          </a:fillRef>
+          <a:effectRef idx="0">
+            <a:schemeClr val="accent1"/>
+          </a:effectRef>
+          <a:fontRef idx="minor">
+            <a:schemeClr val="lt1"/>
+          </a:fontRef>
+        </p:style>
+        <p:txBody>
+          <a:bodyPr anchor="ctr"/>
+          <a:lstStyle/>
+          <a:p>
+            <a:pPr algn="ctr">
+              <a:defRPr lang="ko-KR" altLang="en-US"/>
+            </a:pPr>
+            <a:endParaRPr lang="ko-KR" altLang="en-US"/>
+          </a:p>
+        </p:txBody>
+      </p:sp>
+      <p:cxnSp>
+        <p:nvCxnSpPr>
+          <p:cNvPr id="4" name="직선 연결선 1"/>
+          <p:cNvCxnSpPr/>
+          <p:nvPr/>
+        </p:nvCxnSpPr>
+        <p:spPr>
+          <a:xfrm>
+            <a:off x="139700" y="491296"/>
+            <a:ext cx="1993900" cy="0"/>
+          </a:xfrm>
+          <a:prstGeom prst="line">
+            <a:avLst/>
+          </a:prstGeom>
+          <a:ln>
+            <a:solidFill>
+              <a:schemeClr val="accent4"/>
+            </a:solidFill>
+          </a:ln>
+        </p:spPr>
+        <p:style>
+          <a:lnRef idx="1">
+            <a:schemeClr val="accent1"/>
+          </a:lnRef>
+          <a:fillRef idx="0">
+            <a:schemeClr val="accent1"/>
+          </a:fillRef>
+          <a:effectRef idx="0">
+            <a:schemeClr val="accent1"/>
+          </a:effectRef>
+          <a:fontRef idx="minor">
+            <a:schemeClr val="tx1"/>
+          </a:fontRef>
+        </p:style>
+      </p:cxnSp>
+      <p:sp>
+        <p:nvSpPr>
+          <p:cNvPr id="6" name="TextBox 3"/>
+          <p:cNvSpPr txBox="1"/>
+          <p:nvPr/>
+        </p:nvSpPr>
+        <p:spPr>
+          <a:xfrm>
+            <a:off x="1480185" y="652394"/>
+            <a:ext cx="755433" cy="574426"/>
+          </a:xfrm>
+          <a:prstGeom prst="rect">
+            <a:avLst/>
+          </a:prstGeom>
+          <a:noFill/>
+        </p:spPr>
+        <p:txBody>
+          <a:bodyPr wrap="none">
+            <a:spAutoFit/>
+          </a:bodyPr>
+          <a:lstStyle/>
+          <a:p>
+            <a:pPr algn="r">
+              <a:defRPr lang="ko-KR" altLang="en-US"/>
+            </a:pPr>
+            <a:r>
+              <a:rPr lang="en-US" altLang="ko-KR" sz="3200" b="1">
+                <a:solidFill>
+                  <a:schemeClr val="accent4"/>
+                </a:solidFill>
+              </a:rPr>
+              <a:t>6.1</a:t>
+            </a:r>
+            <a:endParaRPr lang="en-US" altLang="ko-KR" sz="3200" b="1">
+              <a:solidFill>
+                <a:schemeClr val="accent4"/>
+              </a:solidFill>
+            </a:endParaRPr>
+          </a:p>
+        </p:txBody>
+      </p:sp>
+      <p:sp>
+        <p:nvSpPr>
+          <p:cNvPr id="7" name="TextBox 5"/>
+          <p:cNvSpPr txBox="1"/>
+          <p:nvPr/>
+        </p:nvSpPr>
+        <p:spPr>
+          <a:xfrm>
+            <a:off x="2263852" y="645071"/>
+            <a:ext cx="1589963" cy="543649"/>
+          </a:xfrm>
+          <a:prstGeom prst="rect">
+            <a:avLst/>
+          </a:prstGeom>
+          <a:noFill/>
+        </p:spPr>
+        <p:txBody>
+          <a:bodyPr wrap="none">
+            <a:spAutoFit/>
+          </a:bodyPr>
+          <a:lstStyle/>
+          <a:p>
+            <a:pPr lvl="0">
+              <a:defRPr lang="ko-KR" altLang="en-US"/>
+            </a:pPr>
+            <a:r>
+              <a:rPr lang="ko-KR" altLang="en-US" sz="3000" spc="-155">
+                <a:solidFill>
+                  <a:schemeClr val="accent4"/>
+                </a:solidFill>
+                <a:latin typeface="+mj-ea"/>
+                <a:ea typeface="+mj-ea"/>
+              </a:rPr>
+              <a:t>자기소개</a:t>
+            </a:r>
+            <a:endParaRPr lang="ko-KR" altLang="en-US" sz="3000" spc="-155">
+              <a:solidFill>
+                <a:schemeClr val="accent4"/>
+              </a:solidFill>
+              <a:latin typeface="+mj-ea"/>
+              <a:ea typeface="+mj-ea"/>
+            </a:endParaRPr>
+          </a:p>
+        </p:txBody>
+      </p:sp>
+      <p:sp>
+        <p:nvSpPr>
+          <p:cNvPr id="8" name="TextBox 6"/>
+          <p:cNvSpPr txBox="1"/>
+          <p:nvPr/>
+        </p:nvSpPr>
+        <p:spPr>
+          <a:xfrm>
+            <a:off x="2289252" y="1180991"/>
+            <a:ext cx="1412163" cy="293479"/>
+          </a:xfrm>
+          <a:prstGeom prst="rect">
+            <a:avLst/>
+          </a:prstGeom>
+          <a:noFill/>
+        </p:spPr>
+        <p:txBody>
+          <a:bodyPr wrap="none">
+            <a:spAutoFit/>
+          </a:bodyPr>
+          <a:lstStyle/>
+          <a:p>
+            <a:pPr lvl="0">
+              <a:defRPr lang="ko-KR" altLang="en-US"/>
+            </a:pPr>
+            <a:r>
+              <a:rPr lang="en-US" altLang="ko-KR" sz="1400">
+                <a:solidFill>
+                  <a:schemeClr val="accent4"/>
+                </a:solidFill>
+              </a:rPr>
+              <a:t>Main.html DOM</a:t>
+            </a:r>
+            <a:endParaRPr lang="en-US" altLang="ko-KR" sz="1400">
+              <a:solidFill>
+                <a:schemeClr val="accent4"/>
+              </a:solidFill>
+            </a:endParaRPr>
+          </a:p>
+        </p:txBody>
+      </p:sp>
+      <p:pic>
+        <p:nvPicPr>
+          <p:cNvPr id="40" name=""/>
+          <p:cNvPicPr>
+            <a:picLocks noChangeAspect="1"/>
+          </p:cNvPicPr>
+          <p:nvPr/>
+        </p:nvPicPr>
+        <p:blipFill rotWithShape="1">
+          <a:blip r:embed="rId2"/>
+          <a:stretch>
+            <a:fillRect/>
+          </a:stretch>
+        </p:blipFill>
+        <p:spPr>
+          <a:xfrm>
+            <a:off x="1917956" y="1641850"/>
+            <a:ext cx="8890200" cy="5118229"/>
+          </a:xfrm>
+          <a:prstGeom prst="rect">
+            <a:avLst/>
+          </a:prstGeom>
+        </p:spPr>
+      </p:pic>
+    </p:spTree>
+  </p:cSld>
+  <p:clrMapOvr>
+    <a:masterClrMapping/>
+  </p:clrMapOvr>
+  <p:transition xmlns:mc="http://schemas.openxmlformats.org/markup-compatibility/2006" xmlns:hp="http://schemas.haansoft.com/office/presentation/8.0" mc:Ignorable="hp" hp:hslDur="500"/>
+</p:sld>
+</file>
+
+<file path=ppt/slides/slide15.xml><?xml version="1.0" encoding="utf-8"?>
+<p:sld xmlns:r="http://schemas.openxmlformats.org/officeDocument/2006/relationships" xmlns:c="http://schemas.openxmlformats.org/drawingml/2006/chart" xmlns:a="http://schemas.openxmlformats.org/drawingml/2006/main" xmlns:dgm="http://schemas.openxmlformats.org/drawingml/2006/diagram" xmlns:dsp="http://schemas.microsoft.com/office/drawing/2008/diagram" xmlns:p="http://schemas.openxmlformats.org/presentationml/2006/main">
+  <p:cSld>
+    <p:spTree>
+      <p:nvGrpSpPr>
+        <p:cNvPr id="1" name=""/>
+        <p:cNvGrpSpPr/>
+        <p:nvPr/>
+      </p:nvGrpSpPr>
+      <p:grpSpPr>
+        <a:xfrm>
+          <a:off x="0" y="0"/>
+          <a:ext cx="0" cy="0"/>
+          <a:chOff x="0" y="0"/>
+          <a:chExt cx="0" cy="0"/>
+        </a:xfrm>
+      </p:grpSpPr>
+      <p:sp>
+        <p:nvSpPr>
+          <p:cNvPr id="2" name="직사각형 8"/>
+          <p:cNvSpPr/>
+          <p:nvPr/>
+        </p:nvSpPr>
+        <p:spPr>
+          <a:xfrm>
+            <a:off x="0" y="0"/>
+            <a:ext cx="12192000" cy="1638300"/>
+          </a:xfrm>
+          <a:prstGeom prst="rect">
+            <a:avLst/>
+          </a:prstGeom>
+          <a:solidFill>
+            <a:schemeClr val="bg2"/>
+          </a:solidFill>
+          <a:ln>
+            <a:noFill/>
+          </a:ln>
+        </p:spPr>
+        <p:style>
+          <a:lnRef idx="2">
+            <a:schemeClr val="accent1">
+              <a:shade val="50000"/>
+            </a:schemeClr>
+          </a:lnRef>
+          <a:fillRef idx="1">
+            <a:schemeClr val="accent1"/>
+          </a:fillRef>
+          <a:effectRef idx="0">
+            <a:schemeClr val="accent1"/>
+          </a:effectRef>
+          <a:fontRef idx="minor">
+            <a:schemeClr val="lt1"/>
+          </a:fontRef>
+        </p:style>
+        <p:txBody>
+          <a:bodyPr anchor="ctr"/>
+          <a:lstStyle/>
+          <a:p>
+            <a:pPr algn="ctr">
+              <a:defRPr lang="ko-KR" altLang="en-US"/>
+            </a:pPr>
+            <a:endParaRPr lang="ko-KR" altLang="en-US"/>
+          </a:p>
+        </p:txBody>
+      </p:sp>
+      <p:cxnSp>
+        <p:nvCxnSpPr>
+          <p:cNvPr id="4" name="직선 연결선 1"/>
+          <p:cNvCxnSpPr/>
+          <p:nvPr/>
+        </p:nvCxnSpPr>
+        <p:spPr>
+          <a:xfrm>
+            <a:off x="139700" y="491296"/>
+            <a:ext cx="1993900" cy="0"/>
+          </a:xfrm>
+          <a:prstGeom prst="line">
+            <a:avLst/>
+          </a:prstGeom>
+          <a:ln>
+            <a:solidFill>
+              <a:schemeClr val="accent4"/>
+            </a:solidFill>
+          </a:ln>
+        </p:spPr>
+        <p:style>
+          <a:lnRef idx="1">
+            <a:schemeClr val="accent1"/>
+          </a:lnRef>
+          <a:fillRef idx="0">
+            <a:schemeClr val="accent1"/>
+          </a:fillRef>
+          <a:effectRef idx="0">
+            <a:schemeClr val="accent1"/>
+          </a:effectRef>
+          <a:fontRef idx="minor">
+            <a:schemeClr val="tx1"/>
+          </a:fontRef>
+        </p:style>
+      </p:cxnSp>
+      <p:sp>
+        <p:nvSpPr>
+          <p:cNvPr id="6" name="TextBox 3"/>
+          <p:cNvSpPr txBox="1"/>
+          <p:nvPr/>
+        </p:nvSpPr>
+        <p:spPr>
+          <a:xfrm>
+            <a:off x="1480185" y="652394"/>
+            <a:ext cx="755433" cy="574426"/>
+          </a:xfrm>
+          <a:prstGeom prst="rect">
+            <a:avLst/>
+          </a:prstGeom>
+          <a:noFill/>
+        </p:spPr>
+        <p:txBody>
+          <a:bodyPr wrap="none">
+            <a:spAutoFit/>
+          </a:bodyPr>
+          <a:lstStyle/>
+          <a:p>
+            <a:pPr algn="r">
+              <a:defRPr lang="ko-KR" altLang="en-US"/>
+            </a:pPr>
+            <a:r>
+              <a:rPr lang="en-US" altLang="ko-KR" sz="3200" b="1">
+                <a:solidFill>
+                  <a:schemeClr val="accent4"/>
+                </a:solidFill>
+              </a:rPr>
+              <a:t>6.1</a:t>
+            </a:r>
+            <a:endParaRPr lang="en-US" altLang="ko-KR" sz="3200" b="1">
+              <a:solidFill>
+                <a:schemeClr val="accent4"/>
+              </a:solidFill>
+            </a:endParaRPr>
+          </a:p>
+        </p:txBody>
+      </p:sp>
+      <p:sp>
+        <p:nvSpPr>
+          <p:cNvPr id="7" name="TextBox 5"/>
+          <p:cNvSpPr txBox="1"/>
+          <p:nvPr/>
+        </p:nvSpPr>
+        <p:spPr>
+          <a:xfrm>
+            <a:off x="2263852" y="645071"/>
+            <a:ext cx="1694738" cy="543649"/>
+          </a:xfrm>
+          <a:prstGeom prst="rect">
+            <a:avLst/>
+          </a:prstGeom>
+          <a:noFill/>
+        </p:spPr>
+        <p:txBody>
+          <a:bodyPr wrap="none">
+            <a:spAutoFit/>
+          </a:bodyPr>
+          <a:lstStyle/>
+          <a:p>
+            <a:pPr lvl="0">
+              <a:defRPr lang="ko-KR" altLang="en-US"/>
+            </a:pPr>
+            <a:r>
+              <a:rPr lang="ko-KR" altLang="en-US" sz="3000" spc="-155">
+                <a:solidFill>
+                  <a:schemeClr val="accent4"/>
+                </a:solidFill>
+                <a:latin typeface="+mj-ea"/>
+                <a:ea typeface="+mj-ea"/>
+              </a:rPr>
+              <a:t>개발 능력</a:t>
+            </a:r>
+            <a:endParaRPr lang="ko-KR" altLang="en-US" sz="3000" spc="-155">
+              <a:solidFill>
+                <a:schemeClr val="accent4"/>
+              </a:solidFill>
+              <a:latin typeface="+mj-ea"/>
+              <a:ea typeface="+mj-ea"/>
+            </a:endParaRPr>
+          </a:p>
+        </p:txBody>
+      </p:sp>
+      <p:sp>
+        <p:nvSpPr>
+          <p:cNvPr id="8" name="TextBox 6"/>
+          <p:cNvSpPr txBox="1"/>
+          <p:nvPr/>
+        </p:nvSpPr>
+        <p:spPr>
+          <a:xfrm>
+            <a:off x="2289252" y="1180991"/>
+            <a:ext cx="1831263" cy="293479"/>
+          </a:xfrm>
+          <a:prstGeom prst="rect">
+            <a:avLst/>
+          </a:prstGeom>
+          <a:noFill/>
+        </p:spPr>
+        <p:txBody>
+          <a:bodyPr wrap="none">
+            <a:spAutoFit/>
+          </a:bodyPr>
+          <a:lstStyle/>
+          <a:p>
+            <a:pPr lvl="0">
+              <a:defRPr lang="ko-KR" altLang="en-US"/>
+            </a:pPr>
+            <a:r>
+              <a:rPr lang="en-US" altLang="ko-KR" sz="1400">
+                <a:solidFill>
+                  <a:schemeClr val="accent4"/>
+                </a:solidFill>
+              </a:rPr>
+              <a:t>Technique.html DOM</a:t>
+            </a:r>
+            <a:endParaRPr lang="en-US" altLang="ko-KR" sz="1400">
+              <a:solidFill>
+                <a:schemeClr val="accent4"/>
+              </a:solidFill>
+            </a:endParaRPr>
+          </a:p>
+        </p:txBody>
+      </p:sp>
+      <p:pic>
+        <p:nvPicPr>
+          <p:cNvPr id="41" name=""/>
+          <p:cNvPicPr>
+            <a:picLocks noChangeAspect="1"/>
+          </p:cNvPicPr>
+          <p:nvPr/>
+        </p:nvPicPr>
+        <p:blipFill rotWithShape="1">
+          <a:blip r:embed="rId2"/>
+          <a:stretch>
+            <a:fillRect/>
+          </a:stretch>
+        </p:blipFill>
+        <p:spPr>
+          <a:xfrm>
+            <a:off x="1278035" y="1666745"/>
+            <a:ext cx="10009808" cy="5191255"/>
+          </a:xfrm>
+          <a:prstGeom prst="rect">
+            <a:avLst/>
+          </a:prstGeom>
+        </p:spPr>
+      </p:pic>
+    </p:spTree>
+  </p:cSld>
+  <p:clrMapOvr>
+    <a:masterClrMapping/>
+  </p:clrMapOvr>
+  <p:transition xmlns:mc="http://schemas.openxmlformats.org/markup-compatibility/2006" xmlns:hp="http://schemas.haansoft.com/office/presentation/8.0" mc:Ignorable="hp" hp:hslDur="500"/>
+</p:sld>
+</file>
+
+<file path=ppt/slides/slide16.xml><?xml version="1.0" encoding="utf-8"?>
+<p:sld xmlns:r="http://schemas.openxmlformats.org/officeDocument/2006/relationships" xmlns:c="http://schemas.openxmlformats.org/drawingml/2006/chart" xmlns:a="http://schemas.openxmlformats.org/drawingml/2006/main" xmlns:dgm="http://schemas.openxmlformats.org/drawingml/2006/diagram" xmlns:dsp="http://schemas.microsoft.com/office/drawing/2008/diagram" xmlns:p="http://schemas.openxmlformats.org/presentationml/2006/main">
+  <p:cSld>
+    <p:spTree>
+      <p:nvGrpSpPr>
+        <p:cNvPr id="1" name=""/>
+        <p:cNvGrpSpPr/>
+        <p:nvPr/>
+      </p:nvGrpSpPr>
+      <p:grpSpPr>
+        <a:xfrm>
+          <a:off x="0" y="0"/>
+          <a:ext cx="0" cy="0"/>
+          <a:chOff x="0" y="0"/>
+          <a:chExt cx="0" cy="0"/>
+        </a:xfrm>
+      </p:grpSpPr>
+      <p:sp>
+        <p:nvSpPr>
+          <p:cNvPr id="2" name="직사각형 8"/>
+          <p:cNvSpPr/>
+          <p:nvPr/>
+        </p:nvSpPr>
+        <p:spPr>
+          <a:xfrm>
+            <a:off x="0" y="0"/>
+            <a:ext cx="12192000" cy="1638300"/>
+          </a:xfrm>
+          <a:prstGeom prst="rect">
+            <a:avLst/>
+          </a:prstGeom>
+          <a:solidFill>
+            <a:schemeClr val="bg2"/>
+          </a:solidFill>
+          <a:ln>
+            <a:noFill/>
+          </a:ln>
+        </p:spPr>
+        <p:style>
+          <a:lnRef idx="2">
+            <a:schemeClr val="accent1">
+              <a:shade val="50000"/>
+            </a:schemeClr>
+          </a:lnRef>
+          <a:fillRef idx="1">
+            <a:schemeClr val="accent1"/>
+          </a:fillRef>
+          <a:effectRef idx="0">
+            <a:schemeClr val="accent1"/>
+          </a:effectRef>
+          <a:fontRef idx="minor">
+            <a:schemeClr val="lt1"/>
+          </a:fontRef>
+        </p:style>
+        <p:txBody>
+          <a:bodyPr anchor="ctr"/>
+          <a:lstStyle/>
+          <a:p>
+            <a:pPr algn="ctr">
+              <a:defRPr lang="ko-KR" altLang="en-US"/>
+            </a:pPr>
+            <a:endParaRPr lang="ko-KR" altLang="en-US"/>
+          </a:p>
+        </p:txBody>
+      </p:sp>
+      <p:cxnSp>
+        <p:nvCxnSpPr>
+          <p:cNvPr id="4" name="직선 연결선 1"/>
+          <p:cNvCxnSpPr/>
+          <p:nvPr/>
+        </p:nvCxnSpPr>
+        <p:spPr>
+          <a:xfrm>
+            <a:off x="139700" y="491296"/>
+            <a:ext cx="1993900" cy="0"/>
+          </a:xfrm>
+          <a:prstGeom prst="line">
+            <a:avLst/>
+          </a:prstGeom>
+          <a:ln>
+            <a:solidFill>
+              <a:schemeClr val="accent4"/>
+            </a:solidFill>
+          </a:ln>
+        </p:spPr>
+        <p:style>
+          <a:lnRef idx="1">
+            <a:schemeClr val="accent1"/>
+          </a:lnRef>
+          <a:fillRef idx="0">
+            <a:schemeClr val="accent1"/>
+          </a:fillRef>
+          <a:effectRef idx="0">
+            <a:schemeClr val="accent1"/>
+          </a:effectRef>
+          <a:fontRef idx="minor">
+            <a:schemeClr val="tx1"/>
+          </a:fontRef>
+        </p:style>
+      </p:cxnSp>
+      <p:sp>
+        <p:nvSpPr>
+          <p:cNvPr id="6" name="TextBox 3"/>
+          <p:cNvSpPr txBox="1"/>
+          <p:nvPr/>
+        </p:nvSpPr>
+        <p:spPr>
+          <a:xfrm>
+            <a:off x="1480185" y="652394"/>
+            <a:ext cx="755433" cy="574426"/>
+          </a:xfrm>
+          <a:prstGeom prst="rect">
+            <a:avLst/>
+          </a:prstGeom>
+          <a:noFill/>
+        </p:spPr>
+        <p:txBody>
+          <a:bodyPr wrap="none">
+            <a:spAutoFit/>
+          </a:bodyPr>
+          <a:lstStyle/>
+          <a:p>
+            <a:pPr algn="r">
+              <a:defRPr lang="ko-KR" altLang="en-US"/>
+            </a:pPr>
+            <a:r>
+              <a:rPr lang="en-US" altLang="ko-KR" sz="3200" b="1">
+                <a:solidFill>
+                  <a:schemeClr val="accent4"/>
+                </a:solidFill>
+              </a:rPr>
+              <a:t>6.</a:t>
+            </a:r>
+            <a:r>
+              <a:rPr lang="ko-KR" altLang="en-US" sz="3200" b="1">
+                <a:solidFill>
+                  <a:schemeClr val="accent4"/>
+                </a:solidFill>
+              </a:rPr>
+              <a:t>2</a:t>
+            </a:r>
+            <a:endParaRPr lang="ko-KR" altLang="en-US" sz="3200" b="1">
+              <a:solidFill>
+                <a:schemeClr val="accent4"/>
+              </a:solidFill>
+            </a:endParaRPr>
+          </a:p>
+        </p:txBody>
+      </p:sp>
+      <p:sp>
+        <p:nvSpPr>
+          <p:cNvPr id="7" name="TextBox 5"/>
+          <p:cNvSpPr txBox="1"/>
+          <p:nvPr/>
+        </p:nvSpPr>
+        <p:spPr>
+          <a:xfrm>
+            <a:off x="2263852" y="645071"/>
+            <a:ext cx="1694738" cy="543649"/>
+          </a:xfrm>
+          <a:prstGeom prst="rect">
+            <a:avLst/>
+          </a:prstGeom>
+          <a:noFill/>
+        </p:spPr>
+        <p:txBody>
+          <a:bodyPr wrap="none">
+            <a:spAutoFit/>
+          </a:bodyPr>
+          <a:lstStyle/>
+          <a:p>
+            <a:pPr lvl="0">
+              <a:defRPr lang="ko-KR" altLang="en-US"/>
+            </a:pPr>
+            <a:r>
+              <a:rPr lang="ko-KR" altLang="en-US" sz="3000" spc="-155">
+                <a:solidFill>
+                  <a:schemeClr val="accent4"/>
+                </a:solidFill>
+                <a:latin typeface="+mj-ea"/>
+                <a:ea typeface="+mj-ea"/>
+              </a:rPr>
+              <a:t>개발 경력</a:t>
+            </a:r>
+            <a:endParaRPr lang="ko-KR" altLang="en-US" sz="3000" spc="-155">
+              <a:solidFill>
+                <a:schemeClr val="accent4"/>
+              </a:solidFill>
+              <a:latin typeface="+mj-ea"/>
+              <a:ea typeface="+mj-ea"/>
+            </a:endParaRPr>
+          </a:p>
+        </p:txBody>
+      </p:sp>
+      <p:sp>
+        <p:nvSpPr>
+          <p:cNvPr id="8" name="TextBox 6"/>
+          <p:cNvSpPr txBox="1"/>
+          <p:nvPr/>
+        </p:nvSpPr>
+        <p:spPr>
+          <a:xfrm>
+            <a:off x="2289252" y="1180991"/>
+            <a:ext cx="1555038" cy="293479"/>
+          </a:xfrm>
+          <a:prstGeom prst="rect">
+            <a:avLst/>
+          </a:prstGeom>
+          <a:noFill/>
+        </p:spPr>
+        <p:txBody>
+          <a:bodyPr wrap="none">
+            <a:spAutoFit/>
+          </a:bodyPr>
+          <a:lstStyle/>
+          <a:p>
+            <a:pPr lvl="0">
+              <a:defRPr lang="ko-KR" altLang="en-US"/>
+            </a:pPr>
+            <a:r>
+              <a:rPr lang="en-US" altLang="ko-KR" sz="1400">
+                <a:solidFill>
+                  <a:schemeClr val="accent4"/>
+                </a:solidFill>
+              </a:rPr>
+              <a:t>Career.html DOM</a:t>
+            </a:r>
+            <a:endParaRPr lang="en-US" altLang="ko-KR" sz="1400">
+              <a:solidFill>
+                <a:schemeClr val="accent4"/>
+              </a:solidFill>
+            </a:endParaRPr>
+          </a:p>
+        </p:txBody>
+      </p:sp>
+      <p:pic>
+        <p:nvPicPr>
+          <p:cNvPr id="42" name=""/>
+          <p:cNvPicPr>
+            <a:picLocks noChangeAspect="1"/>
+          </p:cNvPicPr>
+          <p:nvPr/>
+        </p:nvPicPr>
+        <p:blipFill rotWithShape="1">
+          <a:blip r:embed="rId2"/>
+          <a:stretch>
+            <a:fillRect/>
+          </a:stretch>
+        </p:blipFill>
+        <p:spPr>
+          <a:xfrm>
+            <a:off x="1451260" y="1646512"/>
+            <a:ext cx="9939317" cy="5211487"/>
+          </a:xfrm>
+          <a:prstGeom prst="rect">
+            <a:avLst/>
+          </a:prstGeom>
+        </p:spPr>
+      </p:pic>
+    </p:spTree>
+  </p:cSld>
+  <p:clrMapOvr>
+    <a:masterClrMapping/>
+  </p:clrMapOvr>
+  <p:transition xmlns:mc="http://schemas.openxmlformats.org/markup-compatibility/2006" xmlns:hp="http://schemas.haansoft.com/office/presentation/8.0" mc:Ignorable="hp" hp:hslDur="500"/>
+</p:sld>
+</file>
+
+<file path=ppt/slides/slide17.xml><?xml version="1.0" encoding="utf-8"?>
 <p:sld xmlns:r="http://schemas.openxmlformats.org/officeDocument/2006/relationships" xmlns:c="http://schemas.openxmlformats.org/drawingml/2006/chart" xmlns:a="http://schemas.openxmlformats.org/drawingml/2006/main" xmlns:dgm="http://schemas.openxmlformats.org/drawingml/2006/diagram" xmlns:dsp="http://schemas.microsoft.com/office/drawing/2008/diagram" xmlns:p="http://schemas.openxmlformats.org/presentationml/2006/main">
   <p:cSld>
     <p:bg>
@@ -8277,6 +9108,55 @@
       </p:grpSp>
       <p:sp>
         <p:nvSpPr>
+          <p:cNvPr id="18" name="TextBox 17"/>
+          <p:cNvSpPr txBox="1"/>
+          <p:nvPr/>
+        </p:nvSpPr>
+        <p:spPr>
+          <a:xfrm>
+            <a:off x="583460" y="3541759"/>
+            <a:ext cx="2346430" cy="752111"/>
+          </a:xfrm>
+          <a:prstGeom prst="rect">
+            <a:avLst/>
+          </a:prstGeom>
+          <a:noFill/>
+        </p:spPr>
+        <p:txBody>
+          <a:bodyPr wrap="none">
+            <a:spAutoFit/>
+          </a:bodyPr>
+          <a:lstStyle/>
+          <a:p>
+            <a:pPr lvl="0">
+              <a:defRPr lang="ko-KR" altLang="en-US"/>
+            </a:pPr>
+            <a:r>
+              <a:rPr lang="en-US" altLang="ko-KR" sz="4400" b="1" spc="-136">
+                <a:solidFill>
+                  <a:schemeClr val="bg1">
+                    <a:alpha val="70000"/>
+                  </a:schemeClr>
+                </a:solidFill>
+                <a:latin typeface="+mj-lt"/>
+                <a:ea typeface="THE명품고딕L"/>
+              </a:rPr>
+              <a:t>Diagram</a:t>
+            </a:r>
+            <a:endParaRPr lang="en-US" altLang="ko-KR" sz="4400" b="1" spc="-136">
+              <a:solidFill>
+                <a:schemeClr val="bg1">
+                  <a:alpha val="70000"/>
+                </a:schemeClr>
+              </a:solidFill>
+              <a:latin typeface="+mj-lt"/>
+              <a:ea typeface="THE명품고딕L"/>
+            </a:endParaRPr>
+          </a:p>
+        </p:txBody>
+      </p:sp>
+      <p:sp>
+        <p:nvSpPr>
           <p:cNvPr id="11" name="TextBox 10"/>
           <p:cNvSpPr txBox="1"/>
           <p:nvPr/>
@@ -8312,7 +9192,35 @@
                 <a:latin typeface="+mj-lt"/>
                 <a:ea typeface="THE명품고딕L"/>
               </a:rPr>
-              <a:t>Part 7.</a:t>
+              <a:t>Part </a:t>
+            </a:r>
+            <a:r>
+              <a:rPr lang="ko-KR" altLang="en-US" sz="8000" b="1" spc="-85">
+                <a:solidFill>
+                  <a:schemeClr val="accent2">
+                    <a:lumMod val="60000"/>
+                    <a:lumOff val="40000"/>
+                    <a:alpha val="70000"/>
+                  </a:schemeClr>
+                </a:solidFill>
+                <a:latin typeface="+mj-lt"/>
+                <a:ea typeface="THE명품고딕L"/>
+              </a:rPr>
+              <a:t>7</a:t>
+            </a:r>
+            <a:r>
+              <a:rPr lang="en-US" altLang="ko-KR" sz="8000" b="1" spc="-85">
+                <a:solidFill>
+                  <a:schemeClr val="accent2">
+                    <a:lumMod val="60000"/>
+                    <a:lumOff val="40000"/>
+                    <a:alpha val="70000"/>
+                  </a:schemeClr>
+                </a:solidFill>
+                <a:latin typeface="+mj-lt"/>
+                <a:ea typeface="THE명품고딕L"/>
+              </a:rPr>
+              <a:t>.</a:t>
             </a:r>
             <a:endParaRPr lang="en-US" altLang="ko-KR" sz="8000" b="1" spc="-85">
               <a:solidFill>
@@ -8401,55 +9309,6 @@
           </a:p>
         </p:txBody>
       </p:sp>
-      <p:sp>
-        <p:nvSpPr>
-          <p:cNvPr id="18" name="TextBox 17"/>
-          <p:cNvSpPr txBox="1"/>
-          <p:nvPr/>
-        </p:nvSpPr>
-        <p:spPr>
-          <a:xfrm>
-            <a:off x="619068" y="3604072"/>
-            <a:ext cx="4130096" cy="756473"/>
-          </a:xfrm>
-          <a:prstGeom prst="rect">
-            <a:avLst/>
-          </a:prstGeom>
-          <a:noFill/>
-        </p:spPr>
-        <p:txBody>
-          <a:bodyPr wrap="none">
-            <a:spAutoFit/>
-          </a:bodyPr>
-          <a:lstStyle/>
-          <a:p>
-            <a:pPr lvl="0">
-              <a:defRPr lang="ko-KR" altLang="en-US"/>
-            </a:pPr>
-            <a:r>
-              <a:rPr lang="en-US" altLang="ko-KR" sz="4400" b="1" spc="-136">
-                <a:solidFill>
-                  <a:schemeClr val="bg1">
-                    <a:alpha val="70000"/>
-                  </a:schemeClr>
-                </a:solidFill>
-                <a:latin typeface="+mj-lt"/>
-                <a:ea typeface="THE명품고딕L"/>
-              </a:rPr>
-              <a:t>GitHubDesktop</a:t>
-            </a:r>
-            <a:endParaRPr lang="en-US" altLang="ko-KR" sz="4400" b="1" spc="-136">
-              <a:solidFill>
-                <a:schemeClr val="bg1">
-                  <a:alpha val="70000"/>
-                </a:schemeClr>
-              </a:solidFill>
-              <a:latin typeface="+mj-lt"/>
-              <a:ea typeface="THE명품고딕L"/>
-            </a:endParaRPr>
-          </a:p>
-        </p:txBody>
-      </p:sp>
     </p:spTree>
   </p:cSld>
   <p:clrMapOvr>
@@ -8459,7 +9318,7 @@
 </p:sld>
 </file>
 
-<file path=ppt/slides/slide15.xml><?xml version="1.0" encoding="utf-8"?>
+<file path=ppt/slides/slide18.xml><?xml version="1.0" encoding="utf-8"?>
 <p:sld xmlns:r="http://schemas.openxmlformats.org/officeDocument/2006/relationships" xmlns:c="http://schemas.openxmlformats.org/drawingml/2006/chart" xmlns:a="http://schemas.openxmlformats.org/drawingml/2006/main" xmlns:dgm="http://schemas.openxmlformats.org/drawingml/2006/diagram" xmlns:dsp="http://schemas.microsoft.com/office/drawing/2008/diagram" xmlns:p="http://schemas.openxmlformats.org/presentationml/2006/main">
   <p:cSld>
     <p:spTree>
@@ -8567,8 +9426,8 @@
         </p:nvSpPr>
         <p:spPr>
           <a:xfrm>
-            <a:off x="1823085" y="652394"/>
-            <a:ext cx="412533" cy="574426"/>
+            <a:off x="1480185" y="652394"/>
+            <a:ext cx="755433" cy="574426"/>
           </a:xfrm>
           <a:prstGeom prst="rect">
             <a:avLst/>
@@ -8590,9 +9449,17 @@
                   <a:schemeClr val="accent4"/>
                 </a:solidFill>
               </a:rPr>
-              <a:t>8</a:t>
-            </a:r>
-            <a:endParaRPr lang="ko-KR" altLang="en-US" sz="3200" b="1">
+              <a:t>7</a:t>
+            </a:r>
+            <a:r>
+              <a:rPr lang="en-US" altLang="ko-KR" sz="3200" b="1">
+                <a:solidFill>
+                  <a:schemeClr val="accent4"/>
+                </a:solidFill>
+              </a:rPr>
+              <a:t>.1</a:t>
+            </a:r>
+            <a:endParaRPr lang="en-US" altLang="ko-KR" sz="3200" b="1">
               <a:solidFill>
                 <a:schemeClr val="accent4"/>
               </a:solidFill>
@@ -8609,7 +9476,7 @@
         <p:spPr>
           <a:xfrm>
             <a:off x="2263852" y="645071"/>
-            <a:ext cx="2856788" cy="543649"/>
+            <a:ext cx="2742488" cy="543649"/>
           </a:xfrm>
           <a:prstGeom prst="rect">
             <a:avLst/>
@@ -8626,24 +9493,14 @@
               <a:defRPr lang="ko-KR" altLang="en-US"/>
             </a:pPr>
             <a:r>
-              <a:rPr lang="en-US" altLang="ko-KR" sz="3000" spc="-155">
+              <a:rPr lang="ko-KR" altLang="en-US" sz="3000" spc="-155">
                 <a:solidFill>
                   <a:schemeClr val="accent4"/>
                 </a:solidFill>
                 <a:latin typeface="+mj-ea"/>
                 <a:ea typeface="+mj-ea"/>
               </a:rPr>
-              <a:t>Github</a:t>
-            </a:r>
-            <a:r>
-              <a:rPr lang="ko-KR" altLang="en-US" sz="3000" spc="-155">
-                <a:solidFill>
-                  <a:schemeClr val="accent4"/>
-                </a:solidFill>
-                <a:latin typeface="+mj-ea"/>
-                <a:ea typeface="+mj-ea"/>
-              </a:rPr>
-              <a:t> 파일 관리</a:t>
+              <a:t>활동 다이어그램</a:t>
             </a:r>
             <a:endParaRPr lang="ko-KR" altLang="en-US" sz="3000" spc="-155">
               <a:solidFill>
@@ -8664,7 +9521,7 @@
         <p:spPr>
           <a:xfrm>
             <a:off x="2289252" y="1180991"/>
-            <a:ext cx="1355013" cy="293479"/>
+            <a:ext cx="1459788" cy="293479"/>
           </a:xfrm>
           <a:prstGeom prst="rect">
             <a:avLst/>
@@ -8686,7 +9543,7 @@
                   <a:schemeClr val="accent4"/>
                 </a:solidFill>
               </a:rPr>
-              <a:t>GithubDesktop</a:t>
+              <a:t>Activity Diagram</a:t>
             </a:r>
             <a:endParaRPr lang="en-US" altLang="ko-KR" sz="1400">
               <a:solidFill>
@@ -8696,64 +9553,30 @@
           </a:p>
         </p:txBody>
       </p:sp>
-      <p:sp>
-        <p:nvSpPr>
-          <p:cNvPr id="9" name="TextBox 17"/>
-          <p:cNvSpPr txBox="1"/>
-          <p:nvPr/>
-        </p:nvSpPr>
-        <p:spPr>
-          <a:xfrm>
-            <a:off x="2530511" y="2832572"/>
-            <a:ext cx="6389999" cy="489748"/>
+      <p:pic>
+        <p:nvPicPr>
+          <p:cNvPr id="39" name=""/>
+          <p:cNvPicPr>
+            <a:picLocks noChangeAspect="1"/>
+          </p:cNvPicPr>
+          <p:nvPr/>
+        </p:nvPicPr>
+        <p:blipFill rotWithShape="1">
+          <a:blip r:embed="rId2"/>
+          <a:stretch>
+            <a:fillRect/>
+          </a:stretch>
+        </p:blipFill>
+        <p:spPr>
+          <a:xfrm>
+            <a:off x="982768" y="1787717"/>
+            <a:ext cx="9950509" cy="4838835"/>
           </a:xfrm>
           <a:prstGeom prst="rect">
             <a:avLst/>
           </a:prstGeom>
-          <a:noFill/>
-        </p:spPr>
-        <p:txBody>
-          <a:bodyPr wrap="square">
-            <a:spAutoFit/>
-          </a:bodyPr>
-          <a:lstStyle/>
-          <a:p>
-            <a:pPr marL="180975" indent="-180975">
-              <a:lnSpc>
-                <a:spcPct val="130000"/>
-              </a:lnSpc>
-              <a:buFont typeface="Wingdings"/>
-              <a:buChar char="§"/>
-              <a:defRPr lang="ko-KR" altLang="en-US"/>
-            </a:pPr>
-            <a:r>
-              <a:rPr lang="ko-KR" altLang="en-US" sz="2000" spc="-205">
-                <a:solidFill>
-                  <a:schemeClr val="tx1">
-                    <a:lumMod val="60000"/>
-                    <a:lumOff val="40000"/>
-                  </a:schemeClr>
-                </a:solidFill>
-                <a:latin typeface="Noto Sans CJK KR Thin"/>
-                <a:ea typeface="Noto Sans CJK KR Thin"/>
-                <a:cs typeface="Arial"/>
-              </a:rPr>
-              <a:t>주소 :  https://github.com/thlim008/Web_Project</a:t>
-            </a:r>
-            <a:endParaRPr lang="ko-KR" altLang="en-US" sz="2000" spc="-205">
-              <a:solidFill>
-                <a:schemeClr val="tx1">
-                  <a:lumMod val="60000"/>
-                  <a:lumOff val="40000"/>
-                </a:schemeClr>
-              </a:solidFill>
-              <a:latin typeface="Noto Sans CJK KR Thin"/>
-              <a:ea typeface="Noto Sans CJK KR Thin"/>
-              <a:cs typeface="Arial"/>
-            </a:endParaRPr>
-          </a:p>
-        </p:txBody>
-      </p:sp>
+        </p:spPr>
+      </p:pic>
     </p:spTree>
   </p:cSld>
   <p:clrMapOvr>
@@ -8763,16 +9586,9 @@
 </p:sld>
 </file>
 
-<file path=ppt/slides/slide16.xml><?xml version="1.0" encoding="utf-8"?>
+<file path=ppt/slides/slide19.xml><?xml version="1.0" encoding="utf-8"?>
 <p:sld xmlns:r="http://schemas.openxmlformats.org/officeDocument/2006/relationships" xmlns:c="http://schemas.openxmlformats.org/drawingml/2006/chart" xmlns:a="http://schemas.openxmlformats.org/drawingml/2006/main" xmlns:dgm="http://schemas.openxmlformats.org/drawingml/2006/diagram" xmlns:dsp="http://schemas.microsoft.com/office/drawing/2008/diagram" xmlns:p="http://schemas.openxmlformats.org/presentationml/2006/main">
   <p:cSld>
-    <p:bg>
-      <p:bgPr shadeToTitle="0">
-        <a:solidFill>
-          <a:schemeClr val="accent2"/>
-        </a:solidFill>
-      </p:bgPr>
-    </p:bg>
     <p:spTree>
       <p:nvGrpSpPr>
         <p:cNvPr id="1" name=""/>
@@ -8789,14 +9605,97 @@
       </p:grpSpPr>
       <p:sp>
         <p:nvSpPr>
-          <p:cNvPr id="7" name="TextBox 6"/>
+          <p:cNvPr id="2" name="직사각형 8"/>
+          <p:cNvSpPr/>
+          <p:nvPr/>
+        </p:nvSpPr>
+        <p:spPr>
+          <a:xfrm>
+            <a:off x="0" y="0"/>
+            <a:ext cx="12192000" cy="1638300"/>
+          </a:xfrm>
+          <a:prstGeom prst="rect">
+            <a:avLst/>
+          </a:prstGeom>
+          <a:solidFill>
+            <a:schemeClr val="bg2"/>
+          </a:solidFill>
+          <a:ln>
+            <a:noFill/>
+          </a:ln>
+        </p:spPr>
+        <p:style>
+          <a:lnRef idx="2">
+            <a:schemeClr val="accent1">
+              <a:shade val="50000"/>
+            </a:schemeClr>
+          </a:lnRef>
+          <a:fillRef idx="1">
+            <a:schemeClr val="accent1"/>
+          </a:fillRef>
+          <a:effectRef idx="0">
+            <a:schemeClr val="accent1"/>
+          </a:effectRef>
+          <a:fontRef idx="minor">
+            <a:schemeClr val="lt1"/>
+          </a:fontRef>
+        </p:style>
+        <p:txBody>
+          <a:bodyPr anchor="ctr"/>
+          <a:lstStyle/>
+          <a:p>
+            <a:pPr algn="ctr">
+              <a:defRPr lang="ko-KR" altLang="en-US"/>
+            </a:pPr>
+            <a:endParaRPr lang="ko-KR" altLang="en-US"/>
+          </a:p>
+        </p:txBody>
+      </p:sp>
+      <p:cxnSp>
+        <p:nvCxnSpPr>
+          <p:cNvPr id="4" name="직선 연결선 1"/>
+          <p:cNvCxnSpPr/>
+          <p:nvPr/>
+        </p:nvCxnSpPr>
+        <p:spPr>
+          <a:xfrm>
+            <a:off x="139700" y="491296"/>
+            <a:ext cx="1993900" cy="0"/>
+          </a:xfrm>
+          <a:prstGeom prst="line">
+            <a:avLst/>
+          </a:prstGeom>
+          <a:ln>
+            <a:solidFill>
+              <a:schemeClr val="accent4"/>
+            </a:solidFill>
+          </a:ln>
+        </p:spPr>
+        <p:style>
+          <a:lnRef idx="1">
+            <a:schemeClr val="accent1"/>
+          </a:lnRef>
+          <a:fillRef idx="0">
+            <a:schemeClr val="accent1"/>
+          </a:fillRef>
+          <a:effectRef idx="0">
+            <a:schemeClr val="accent1"/>
+          </a:effectRef>
+          <a:fontRef idx="minor">
+            <a:schemeClr val="tx1"/>
+          </a:fontRef>
+        </p:style>
+      </p:cxnSp>
+      <p:sp>
+        <p:nvSpPr>
+          <p:cNvPr id="6" name="TextBox 3"/>
           <p:cNvSpPr txBox="1"/>
           <p:nvPr/>
         </p:nvSpPr>
         <p:spPr>
           <a:xfrm>
-            <a:off x="5013960" y="3058825"/>
-            <a:ext cx="2154554" cy="568295"/>
+            <a:off x="1480185" y="652394"/>
+            <a:ext cx="755433" cy="574426"/>
           </a:xfrm>
           <a:prstGeom prst="rect">
             <a:avLst/>
@@ -8809,20 +9708,28 @@
           </a:bodyPr>
           <a:lstStyle/>
           <a:p>
-            <a:pPr algn="ctr">
+            <a:pPr algn="r">
               <a:defRPr lang="ko-KR" altLang="en-US"/>
             </a:pPr>
             <a:r>
-              <a:rPr lang="ko-KR" altLang="en-US" sz="3200">
-                <a:solidFill>
-                  <a:schemeClr val="bg1"/>
+              <a:rPr lang="ko-KR" altLang="en-US" sz="3200" b="1">
+                <a:solidFill>
+                  <a:schemeClr val="accent4"/>
                 </a:solidFill>
               </a:rPr>
-              <a:t>감사합니다</a:t>
-            </a:r>
-            <a:endParaRPr lang="ko-KR" altLang="en-US" sz="3200">
+              <a:t>7</a:t>
+            </a:r>
+            <a:r>
+              <a:rPr lang="en-US" altLang="ko-KR" sz="3200" b="1">
+                <a:solidFill>
+                  <a:schemeClr val="accent4"/>
+                </a:solidFill>
+              </a:rPr>
+              <a:t>.2</a:t>
+            </a:r>
+            <a:endParaRPr lang="en-US" altLang="ko-KR" sz="3200" b="1">
               <a:solidFill>
-                <a:schemeClr val="bg1"/>
+                <a:schemeClr val="accent4"/>
               </a:solidFill>
             </a:endParaRPr>
           </a:p>
@@ -8830,14 +9737,14 @@
       </p:sp>
       <p:sp>
         <p:nvSpPr>
-          <p:cNvPr id="10" name="TextBox 8"/>
+          <p:cNvPr id="7" name="TextBox 5"/>
           <p:cNvSpPr txBox="1"/>
           <p:nvPr/>
         </p:nvSpPr>
         <p:spPr>
           <a:xfrm>
-            <a:off x="9766935" y="6505575"/>
-            <a:ext cx="2354993" cy="215444"/>
+            <a:off x="2263852" y="645071"/>
+            <a:ext cx="3094913" cy="543649"/>
           </a:xfrm>
           <a:prstGeom prst="rect">
             <a:avLst/>
@@ -8850,27 +9757,94 @@
           </a:bodyPr>
           <a:lstStyle/>
           <a:p>
-            <a:pPr algn="r">
+            <a:pPr lvl="0">
               <a:defRPr lang="ko-KR" altLang="en-US"/>
             </a:pPr>
             <a:r>
-              <a:rPr lang="en-US" altLang="ko-KR" sz="800">
-                <a:solidFill>
-                  <a:schemeClr val="bg1"/>
-                </a:solidFill>
-                <a:latin typeface="+mn-ea"/>
+              <a:rPr lang="ko-KR" altLang="en-US" sz="3000" spc="-155">
+                <a:solidFill>
+                  <a:schemeClr val="accent4"/>
+                </a:solidFill>
+                <a:latin typeface="+mj-ea"/>
+                <a:ea typeface="+mj-ea"/>
               </a:rPr>
-              <a:t>Copyrightⓒ. Kyuhyun-Lim. All Rights Reserved.</a:t>
-            </a:r>
-            <a:endParaRPr lang="en-US" altLang="ko-KR" sz="800">
+              <a:t>시퀀스 다이어그램</a:t>
+            </a:r>
+            <a:endParaRPr lang="ko-KR" altLang="en-US" sz="3000" spc="-155">
               <a:solidFill>
-                <a:schemeClr val="bg1"/>
+                <a:schemeClr val="accent4"/>
               </a:solidFill>
-              <a:latin typeface="+mn-ea"/>
+              <a:latin typeface="+mj-ea"/>
+              <a:ea typeface="+mj-ea"/>
             </a:endParaRPr>
           </a:p>
         </p:txBody>
       </p:sp>
+      <p:sp>
+        <p:nvSpPr>
+          <p:cNvPr id="8" name="TextBox 6"/>
+          <p:cNvSpPr txBox="1"/>
+          <p:nvPr/>
+        </p:nvSpPr>
+        <p:spPr>
+          <a:xfrm>
+            <a:off x="2289252" y="1180991"/>
+            <a:ext cx="1697913" cy="293479"/>
+          </a:xfrm>
+          <a:prstGeom prst="rect">
+            <a:avLst/>
+          </a:prstGeom>
+          <a:noFill/>
+        </p:spPr>
+        <p:txBody>
+          <a:bodyPr wrap="none">
+            <a:spAutoFit/>
+          </a:bodyPr>
+          <a:lstStyle/>
+          <a:p>
+            <a:pPr lvl="0">
+              <a:defRPr lang="ko-KR" altLang="en-US"/>
+            </a:pPr>
+            <a:r>
+              <a:rPr lang="en-US" altLang="ko-KR" sz="1400">
+                <a:solidFill>
+                  <a:schemeClr val="accent4"/>
+                </a:solidFill>
+              </a:rPr>
+              <a:t>Sequence Diagram</a:t>
+            </a:r>
+            <a:endParaRPr lang="en-US" altLang="ko-KR" sz="1400">
+              <a:solidFill>
+                <a:schemeClr val="accent4"/>
+              </a:solidFill>
+            </a:endParaRPr>
+          </a:p>
+        </p:txBody>
+      </p:sp>
+      <p:pic>
+        <p:nvPicPr>
+          <p:cNvPr id="37" name=""/>
+          <p:cNvPicPr>
+            <a:picLocks noChangeAspect="1"/>
+          </p:cNvPicPr>
+          <p:nvPr/>
+        </p:nvPicPr>
+        <p:blipFill rotWithShape="1">
+          <a:blip r:embed="rId2"/>
+          <a:stretch>
+            <a:fillRect/>
+          </a:stretch>
+        </p:blipFill>
+        <p:spPr>
+          <a:xfrm>
+            <a:off x="859965" y="2267217"/>
+            <a:ext cx="10125075" cy="3886200"/>
+          </a:xfrm>
+          <a:prstGeom prst="rect">
+            <a:avLst/>
+          </a:prstGeom>
+        </p:spPr>
+      </p:pic>
     </p:spTree>
   </p:cSld>
   <p:clrMapOvr>
@@ -8913,7 +9887,7 @@
           <p:nvPr/>
         </p:nvPicPr>
         <p:blipFill rotWithShape="1">
-          <a:blip r:embed="rId2"/>
+          <a:blip/>
           <a:srcRect t="3910" b="11720"/>
           <a:stretch>
             <a:fillRect/>
@@ -8937,7 +9911,7 @@
         </p:nvSpPr>
         <p:spPr>
           <a:xfrm>
-            <a:off x="0" y="0"/>
+            <a:off x="0" y="9525"/>
             <a:ext cx="12237082" cy="6858000"/>
           </a:xfrm>
           <a:prstGeom prst="rect">
@@ -8987,7 +9961,7 @@
         </p:nvSpPr>
         <p:spPr>
           <a:xfrm>
-            <a:off x="6591637" y="2114064"/>
+            <a:off x="5629612" y="2218839"/>
             <a:ext cx="388681" cy="388681"/>
           </a:xfrm>
           <a:prstGeom prst="ellipse">
@@ -9035,7 +10009,7 @@
         </p:nvSpPr>
         <p:spPr>
           <a:xfrm>
-            <a:off x="7086261" y="2139464"/>
+            <a:off x="6124236" y="2244239"/>
             <a:ext cx="568366" cy="369332"/>
           </a:xfrm>
           <a:prstGeom prst="rect">
@@ -9084,7 +10058,7 @@
         </p:nvSpPr>
         <p:spPr>
           <a:xfrm>
-            <a:off x="7077357" y="2925903"/>
+            <a:off x="6115332" y="3030678"/>
             <a:ext cx="568990" cy="358317"/>
           </a:xfrm>
           <a:prstGeom prst="rect">
@@ -9133,7 +10107,7 @@
         </p:nvSpPr>
         <p:spPr>
           <a:xfrm>
-            <a:off x="7631603" y="2139464"/>
+            <a:off x="6669578" y="2244239"/>
             <a:ext cx="1971910" cy="369332"/>
           </a:xfrm>
           <a:prstGeom prst="rect">
@@ -9182,7 +10156,7 @@
         </p:nvSpPr>
         <p:spPr>
           <a:xfrm>
-            <a:off x="7622699" y="2925903"/>
+            <a:off x="6660674" y="3030678"/>
             <a:ext cx="1918498" cy="358317"/>
           </a:xfrm>
           <a:prstGeom prst="rect">
@@ -9223,7 +10197,7 @@
         </p:nvSpPr>
         <p:spPr>
           <a:xfrm>
-            <a:off x="7631603" y="2540428"/>
+            <a:off x="6669578" y="2645203"/>
             <a:ext cx="3541394" cy="362792"/>
           </a:xfrm>
           <a:prstGeom prst="rect">
@@ -9286,7 +10260,7 @@
         </p:nvSpPr>
         <p:spPr>
           <a:xfrm>
-            <a:off x="7680406" y="3295235"/>
+            <a:off x="6718381" y="3400010"/>
             <a:ext cx="3541396" cy="636685"/>
           </a:xfrm>
           <a:prstGeom prst="rect">
@@ -9391,7 +10365,7 @@
         </p:nvSpPr>
         <p:spPr>
           <a:xfrm>
-            <a:off x="6582734" y="2925903"/>
+            <a:off x="5620709" y="3030678"/>
             <a:ext cx="388681" cy="388681"/>
           </a:xfrm>
           <a:prstGeom prst="ellipse">
@@ -9523,7 +10497,7 @@
         </p:nvSpPr>
         <p:spPr>
           <a:xfrm>
-            <a:off x="7063738" y="4525325"/>
+            <a:off x="6111238" y="4868225"/>
             <a:ext cx="572283" cy="366570"/>
           </a:xfrm>
           <a:prstGeom prst="rect">
@@ -9572,7 +10546,7 @@
         </p:nvSpPr>
         <p:spPr>
           <a:xfrm>
-            <a:off x="7609078" y="4525325"/>
+            <a:off x="6656578" y="4868225"/>
             <a:ext cx="1931942" cy="359095"/>
           </a:xfrm>
           <a:prstGeom prst="rect">
@@ -9595,17 +10569,9 @@
                   <a:schemeClr val="bg1"/>
                 </a:solidFill>
               </a:rPr>
-              <a:t>Github </a:t>
-            </a:r>
-            <a:r>
-              <a:rPr lang="ko-KR" altLang="en-US" b="1" spc="-148">
-                <a:solidFill>
-                  <a:schemeClr val="bg1"/>
-                </a:solidFill>
-              </a:rPr>
-              <a:t>파일 관리</a:t>
-            </a:r>
-            <a:endParaRPr lang="ko-KR" altLang="en-US" b="1" spc="-148">
+              <a:t>DOM</a:t>
+            </a:r>
+            <a:endParaRPr lang="en-US" altLang="ko-KR" b="1" spc="-148">
               <a:solidFill>
                 <a:schemeClr val="bg1"/>
               </a:solidFill>
@@ -9621,7 +10587,7 @@
         </p:nvSpPr>
         <p:spPr>
           <a:xfrm>
-            <a:off x="6581815" y="4484975"/>
+            <a:off x="5629315" y="4827875"/>
             <a:ext cx="388681" cy="388681"/>
           </a:xfrm>
           <a:prstGeom prst="ellipse">
@@ -9669,7 +10635,7 @@
         </p:nvSpPr>
         <p:spPr>
           <a:xfrm>
-            <a:off x="7766993" y="1577488"/>
+            <a:off x="8167043" y="1577488"/>
             <a:ext cx="1068397" cy="365067"/>
           </a:xfrm>
           <a:prstGeom prst="rect">
@@ -9678,7 +10644,7 @@
           <a:noFill/>
         </p:spPr>
         <p:txBody>
-          <a:bodyPr wrap="none">
+          <a:bodyPr wrap="square">
             <a:spAutoFit/>
           </a:bodyPr>
           <a:lstStyle/>
@@ -9692,7 +10658,7 @@
                   <a:schemeClr val="bg1"/>
                 </a:solidFill>
               </a:rPr>
-              <a:t>구현 단계</a:t>
+              <a:t>설계 단계</a:t>
             </a:r>
             <a:endParaRPr lang="ko-KR" altLang="en-US" b="1" spc="-148">
               <a:solidFill>
@@ -9710,7 +10676,7 @@
         </p:nvSpPr>
         <p:spPr>
           <a:xfrm>
-            <a:off x="1949940" y="1841470"/>
+            <a:off x="1940415" y="1660495"/>
             <a:ext cx="1065675" cy="366425"/>
           </a:xfrm>
           <a:prstGeom prst="rect">
@@ -9751,7 +10717,7 @@
         </p:nvSpPr>
         <p:spPr>
           <a:xfrm>
-            <a:off x="1080064" y="2536565"/>
+            <a:off x="1070539" y="2355590"/>
             <a:ext cx="388681" cy="388681"/>
           </a:xfrm>
           <a:prstGeom prst="ellipse">
@@ -9799,7 +10765,7 @@
         </p:nvSpPr>
         <p:spPr>
           <a:xfrm>
-            <a:off x="2106829" y="2555840"/>
+            <a:off x="2097304" y="2374865"/>
             <a:ext cx="1971910" cy="366430"/>
           </a:xfrm>
           <a:prstGeom prst="rect">
@@ -9817,12 +10783,20 @@
               <a:defRPr lang="ko-KR" altLang="en-US"/>
             </a:pPr>
             <a:r>
+              <a:rPr lang="ko-KR" altLang="en-US" b="1" spc="-148">
+                <a:solidFill>
+                  <a:schemeClr val="bg1"/>
+                </a:solidFill>
+              </a:rPr>
+              <a:t>컨텐츠</a:t>
+            </a:r>
+            <a:r>
               <a:rPr lang="en-US" altLang="ko-KR" b="1" spc="-148">
                 <a:solidFill>
                   <a:schemeClr val="bg1"/>
                 </a:solidFill>
               </a:rPr>
-              <a:t>Web </a:t>
+              <a:t> </a:t>
             </a:r>
             <a:r>
               <a:rPr lang="ko-KR" altLang="en-US" b="1" spc="-148">
@@ -9848,7 +10822,7 @@
         </p:nvSpPr>
         <p:spPr>
           <a:xfrm>
-            <a:off x="1609385" y="2553120"/>
+            <a:off x="1599860" y="2372145"/>
             <a:ext cx="569391" cy="359625"/>
           </a:xfrm>
           <a:prstGeom prst="rect">
@@ -9897,7 +10871,7 @@
         </p:nvSpPr>
         <p:spPr>
           <a:xfrm>
-            <a:off x="1089589" y="3241415"/>
+            <a:off x="1051489" y="3060440"/>
             <a:ext cx="388681" cy="388681"/>
           </a:xfrm>
           <a:prstGeom prst="ellipse">
@@ -9945,7 +10919,7 @@
         </p:nvSpPr>
         <p:spPr>
           <a:xfrm>
-            <a:off x="2116354" y="3260690"/>
+            <a:off x="2078254" y="3079715"/>
             <a:ext cx="1971910" cy="366430"/>
           </a:xfrm>
           <a:prstGeom prst="rect">
@@ -9986,7 +10960,7 @@
         </p:nvSpPr>
         <p:spPr>
           <a:xfrm>
-            <a:off x="1618910" y="3257970"/>
+            <a:off x="1580810" y="3076995"/>
             <a:ext cx="569391" cy="359625"/>
           </a:xfrm>
           <a:prstGeom prst="rect">
@@ -10035,7 +11009,7 @@
         </p:nvSpPr>
         <p:spPr>
           <a:xfrm>
-            <a:off x="1099114" y="3908165"/>
+            <a:off x="1061014" y="3727190"/>
             <a:ext cx="388681" cy="388681"/>
           </a:xfrm>
           <a:prstGeom prst="ellipse">
@@ -10083,7 +11057,7 @@
         </p:nvSpPr>
         <p:spPr>
           <a:xfrm>
-            <a:off x="2125879" y="3927440"/>
+            <a:off x="2087779" y="3746465"/>
             <a:ext cx="1971910" cy="366430"/>
           </a:xfrm>
           <a:prstGeom prst="rect">
@@ -10124,7 +11098,7 @@
         </p:nvSpPr>
         <p:spPr>
           <a:xfrm>
-            <a:off x="1628435" y="3924720"/>
+            <a:off x="1590335" y="3743745"/>
             <a:ext cx="569391" cy="359625"/>
           </a:xfrm>
           <a:prstGeom prst="rect">
@@ -10173,7 +11147,7 @@
         </p:nvSpPr>
         <p:spPr>
           <a:xfrm>
-            <a:off x="7052626" y="3780787"/>
+            <a:off x="6090601" y="3885562"/>
             <a:ext cx="572283" cy="366570"/>
           </a:xfrm>
           <a:prstGeom prst="rect">
@@ -10214,8 +11188,8 @@
         </p:nvSpPr>
         <p:spPr>
           <a:xfrm>
-            <a:off x="7597967" y="3780787"/>
-            <a:ext cx="1931941" cy="366570"/>
+            <a:off x="6635941" y="3885562"/>
+            <a:ext cx="1931942" cy="360683"/>
           </a:xfrm>
           <a:prstGeom prst="rect">
             <a:avLst/>
@@ -10237,7 +11211,7 @@
                   <a:schemeClr val="bg1"/>
                 </a:solidFill>
               </a:rPr>
-              <a:t>웹 시연</a:t>
+              <a:t>다이어그램 </a:t>
             </a:r>
             <a:endParaRPr lang="ko-KR" altLang="en-US" b="1" spc="-148">
               <a:solidFill>
@@ -10255,7 +11229,7 @@
         </p:nvSpPr>
         <p:spPr>
           <a:xfrm>
-            <a:off x="6570703" y="3740437"/>
+            <a:off x="5608678" y="3845212"/>
             <a:ext cx="388681" cy="388681"/>
           </a:xfrm>
           <a:prstGeom prst="ellipse">
@@ -10292,6 +11266,2268 @@
               <a:defRPr lang="ko-KR" altLang="en-US"/>
             </a:pPr>
             <a:endParaRPr lang="ko-KR" altLang="en-US"/>
+          </a:p>
+        </p:txBody>
+      </p:sp>
+      <p:sp>
+        <p:nvSpPr>
+          <p:cNvPr id="53" name="TextBox 11"/>
+          <p:cNvSpPr txBox="1"/>
+          <p:nvPr/>
+        </p:nvSpPr>
+        <p:spPr>
+          <a:xfrm>
+            <a:off x="6111238" y="5982650"/>
+            <a:ext cx="572283" cy="366570"/>
+          </a:xfrm>
+          <a:prstGeom prst="rect">
+            <a:avLst/>
+          </a:prstGeom>
+          <a:noFill/>
+        </p:spPr>
+        <p:txBody>
+          <a:bodyPr wrap="square">
+            <a:spAutoFit/>
+          </a:bodyPr>
+          <a:lstStyle/>
+          <a:p>
+            <a:pPr lvl="0">
+              <a:defRPr lang="ko-KR" altLang="en-US"/>
+            </a:pPr>
+            <a:r>
+              <a:rPr lang="en-US" altLang="ko-KR" b="1">
+                <a:solidFill>
+                  <a:schemeClr val="bg1"/>
+                </a:solidFill>
+              </a:rPr>
+              <a:t>008</a:t>
+            </a:r>
+            <a:endParaRPr lang="en-US" altLang="ko-KR" b="1">
+              <a:solidFill>
+                <a:schemeClr val="bg1"/>
+              </a:solidFill>
+            </a:endParaRPr>
+          </a:p>
+        </p:txBody>
+      </p:sp>
+      <p:sp>
+        <p:nvSpPr>
+          <p:cNvPr id="54" name="TextBox 15"/>
+          <p:cNvSpPr txBox="1"/>
+          <p:nvPr/>
+        </p:nvSpPr>
+        <p:spPr>
+          <a:xfrm>
+            <a:off x="6656578" y="5982650"/>
+            <a:ext cx="1931942" cy="359095"/>
+          </a:xfrm>
+          <a:prstGeom prst="rect">
+            <a:avLst/>
+          </a:prstGeom>
+          <a:noFill/>
+        </p:spPr>
+        <p:txBody>
+          <a:bodyPr wrap="square">
+            <a:spAutoFit/>
+          </a:bodyPr>
+          <a:lstStyle/>
+          <a:p>
+            <a:pPr lvl="0">
+              <a:defRPr lang="ko-KR" altLang="en-US"/>
+            </a:pPr>
+            <a:r>
+              <a:rPr lang="ko-KR" altLang="en-US" b="1" spc="-148">
+                <a:solidFill>
+                  <a:schemeClr val="bg1"/>
+                </a:solidFill>
+              </a:rPr>
+              <a:t>웹 시연</a:t>
+            </a:r>
+            <a:endParaRPr lang="ko-KR" altLang="en-US" b="1" spc="-148">
+              <a:solidFill>
+                <a:schemeClr val="bg1"/>
+              </a:solidFill>
+            </a:endParaRPr>
+          </a:p>
+        </p:txBody>
+      </p:sp>
+      <p:sp>
+        <p:nvSpPr>
+          <p:cNvPr id="55" name="타원 25"/>
+          <p:cNvSpPr/>
+          <p:nvPr/>
+        </p:nvSpPr>
+        <p:spPr>
+          <a:xfrm>
+            <a:off x="5629315" y="5942300"/>
+            <a:ext cx="388681" cy="388681"/>
+          </a:xfrm>
+          <a:prstGeom prst="ellipse">
+            <a:avLst/>
+          </a:prstGeom>
+          <a:noFill/>
+          <a:ln w="101600">
+            <a:solidFill>
+              <a:schemeClr val="accent2"/>
+            </a:solidFill>
+          </a:ln>
+        </p:spPr>
+        <p:style>
+          <a:lnRef idx="2">
+            <a:schemeClr val="accent1">
+              <a:shade val="50000"/>
+            </a:schemeClr>
+          </a:lnRef>
+          <a:fillRef idx="1">
+            <a:schemeClr val="accent1"/>
+          </a:fillRef>
+          <a:effectRef idx="0">
+            <a:schemeClr val="accent1"/>
+          </a:effectRef>
+          <a:fontRef idx="minor">
+            <a:schemeClr val="lt1"/>
+          </a:fontRef>
+        </p:style>
+        <p:txBody>
+          <a:bodyPr anchor="ctr"/>
+          <a:lstStyle/>
+          <a:p>
+            <a:pPr algn="ctr">
+              <a:defRPr lang="ko-KR" altLang="en-US"/>
+            </a:pPr>
+            <a:endParaRPr lang="ko-KR" altLang="en-US"/>
+          </a:p>
+        </p:txBody>
+      </p:sp>
+      <p:sp>
+        <p:nvSpPr>
+          <p:cNvPr id="68" name="TextBox 17"/>
+          <p:cNvSpPr txBox="1"/>
+          <p:nvPr/>
+        </p:nvSpPr>
+        <p:spPr>
+          <a:xfrm>
+            <a:off x="6692744" y="4220049"/>
+            <a:ext cx="3541396" cy="635796"/>
+          </a:xfrm>
+          <a:prstGeom prst="rect">
+            <a:avLst/>
+          </a:prstGeom>
+          <a:noFill/>
+        </p:spPr>
+        <p:txBody>
+          <a:bodyPr wrap="square">
+            <a:spAutoFit/>
+          </a:bodyPr>
+          <a:lstStyle/>
+          <a:p>
+            <a:pPr marL="180975" indent="-180975">
+              <a:lnSpc>
+                <a:spcPct val="130000"/>
+              </a:lnSpc>
+              <a:buFont typeface="Wingdings"/>
+              <a:buChar char="§"/>
+              <a:defRPr lang="ko-KR" altLang="en-US"/>
+            </a:pPr>
+            <a:r>
+              <a:rPr lang="ko-KR" altLang="en-US" sz="1400" b="1" spc="-145">
+                <a:solidFill>
+                  <a:schemeClr val="bg1"/>
+                </a:solidFill>
+                <a:latin typeface="Noto Sans CJK KR Thin"/>
+                <a:ea typeface="Noto Sans CJK KR Thin"/>
+                <a:cs typeface="Arial"/>
+              </a:rPr>
+              <a:t>활동 다이어 그램</a:t>
+            </a:r>
+            <a:endParaRPr lang="ko-KR" altLang="en-US" sz="1400" b="1" spc="-145">
+              <a:solidFill>
+                <a:schemeClr val="bg1"/>
+              </a:solidFill>
+              <a:latin typeface="Noto Sans CJK KR Thin"/>
+              <a:ea typeface="Noto Sans CJK KR Thin"/>
+              <a:cs typeface="Arial"/>
+            </a:endParaRPr>
+          </a:p>
+          <a:p>
+            <a:pPr marL="180975" indent="-180975">
+              <a:lnSpc>
+                <a:spcPct val="130000"/>
+              </a:lnSpc>
+              <a:buFont typeface="Wingdings"/>
+              <a:buChar char="§"/>
+              <a:defRPr lang="ko-KR" altLang="en-US"/>
+            </a:pPr>
+            <a:r>
+              <a:rPr lang="ko-KR" altLang="en-US" sz="1400" b="1" spc="-145">
+                <a:solidFill>
+                  <a:schemeClr val="bg1"/>
+                </a:solidFill>
+                <a:latin typeface="Noto Sans CJK KR Thin"/>
+                <a:ea typeface="Noto Sans CJK KR Thin"/>
+                <a:cs typeface="Arial"/>
+              </a:rPr>
+              <a:t>시퀀스 다이어 그램</a:t>
+            </a:r>
+            <a:endParaRPr lang="ko-KR" altLang="en-US" sz="1400" b="1" spc="-145">
+              <a:solidFill>
+                <a:schemeClr val="bg1"/>
+              </a:solidFill>
+              <a:latin typeface="Noto Sans CJK KR Thin"/>
+              <a:ea typeface="Noto Sans CJK KR Thin"/>
+              <a:cs typeface="Arial"/>
+            </a:endParaRPr>
+          </a:p>
+        </p:txBody>
+      </p:sp>
+      <p:sp>
+        <p:nvSpPr>
+          <p:cNvPr id="70" name="TextBox 17"/>
+          <p:cNvSpPr txBox="1"/>
+          <p:nvPr/>
+        </p:nvSpPr>
+        <p:spPr>
+          <a:xfrm>
+            <a:off x="6702715" y="5111303"/>
+            <a:ext cx="3541396" cy="916116"/>
+          </a:xfrm>
+          <a:prstGeom prst="rect">
+            <a:avLst/>
+          </a:prstGeom>
+          <a:noFill/>
+        </p:spPr>
+        <p:txBody>
+          <a:bodyPr wrap="square">
+            <a:spAutoFit/>
+          </a:bodyPr>
+          <a:lstStyle/>
+          <a:p>
+            <a:pPr marL="180975" indent="-180975">
+              <a:lnSpc>
+                <a:spcPct val="130000"/>
+              </a:lnSpc>
+              <a:buFont typeface="Wingdings"/>
+              <a:buChar char="§"/>
+              <a:defRPr lang="ko-KR" altLang="en-US"/>
+            </a:pPr>
+            <a:r>
+              <a:rPr lang="en-US" altLang="ko-KR" sz="1400" b="1" spc="-145">
+                <a:solidFill>
+                  <a:schemeClr val="bg1"/>
+                </a:solidFill>
+                <a:latin typeface="Noto Sans CJK KR Thin"/>
+                <a:ea typeface="Noto Sans CJK KR Thin"/>
+                <a:cs typeface="Arial"/>
+              </a:rPr>
+              <a:t>Main.html</a:t>
+            </a:r>
+            <a:endParaRPr lang="en-US" altLang="ko-KR" sz="1400" b="1" spc="-145">
+              <a:solidFill>
+                <a:schemeClr val="bg1"/>
+              </a:solidFill>
+              <a:latin typeface="Noto Sans CJK KR Thin"/>
+              <a:ea typeface="Noto Sans CJK KR Thin"/>
+              <a:cs typeface="Arial"/>
+            </a:endParaRPr>
+          </a:p>
+          <a:p>
+            <a:pPr marL="180975" indent="-180975">
+              <a:lnSpc>
+                <a:spcPct val="130000"/>
+              </a:lnSpc>
+              <a:buFont typeface="Wingdings"/>
+              <a:buChar char="§"/>
+              <a:defRPr lang="ko-KR" altLang="en-US"/>
+            </a:pPr>
+            <a:r>
+              <a:rPr lang="en-US" altLang="ko-KR" sz="1400" b="1" spc="-145">
+                <a:solidFill>
+                  <a:schemeClr val="bg1"/>
+                </a:solidFill>
+                <a:latin typeface="Noto Sans CJK KR Thin"/>
+                <a:ea typeface="Noto Sans CJK KR Thin"/>
+                <a:cs typeface="Arial"/>
+              </a:rPr>
+              <a:t>Technique.html</a:t>
+            </a:r>
+            <a:endParaRPr lang="en-US" altLang="ko-KR" sz="1400" b="1" spc="-145">
+              <a:solidFill>
+                <a:schemeClr val="bg1"/>
+              </a:solidFill>
+              <a:latin typeface="Noto Sans CJK KR Thin"/>
+              <a:ea typeface="Noto Sans CJK KR Thin"/>
+              <a:cs typeface="Arial"/>
+            </a:endParaRPr>
+          </a:p>
+          <a:p>
+            <a:pPr marL="180975" indent="-180975">
+              <a:lnSpc>
+                <a:spcPct val="130000"/>
+              </a:lnSpc>
+              <a:buFont typeface="Wingdings"/>
+              <a:buChar char="§"/>
+              <a:defRPr lang="ko-KR" altLang="en-US"/>
+            </a:pPr>
+            <a:r>
+              <a:rPr lang="en-US" altLang="ko-KR" sz="1400" b="1" spc="-145">
+                <a:solidFill>
+                  <a:schemeClr val="bg1"/>
+                </a:solidFill>
+                <a:latin typeface="Noto Sans CJK KR Thin"/>
+                <a:ea typeface="Noto Sans CJK KR Thin"/>
+                <a:cs typeface="Arial"/>
+              </a:rPr>
+              <a:t>Career.html</a:t>
+            </a:r>
+            <a:endParaRPr lang="en-US" altLang="ko-KR" sz="1400" b="1" spc="-145">
+              <a:solidFill>
+                <a:schemeClr val="bg1"/>
+              </a:solidFill>
+              <a:latin typeface="Noto Sans CJK KR Thin"/>
+              <a:ea typeface="Noto Sans CJK KR Thin"/>
+              <a:cs typeface="Arial"/>
+            </a:endParaRPr>
+          </a:p>
+        </p:txBody>
+      </p:sp>
+      <p:sp>
+        <p:nvSpPr>
+          <p:cNvPr id="71" name="타원 2"/>
+          <p:cNvSpPr/>
+          <p:nvPr/>
+        </p:nvSpPr>
+        <p:spPr>
+          <a:xfrm>
+            <a:off x="8706187" y="2247414"/>
+            <a:ext cx="388681" cy="388681"/>
+          </a:xfrm>
+          <a:prstGeom prst="ellipse">
+            <a:avLst/>
+          </a:prstGeom>
+          <a:noFill/>
+          <a:ln w="101600">
+            <a:solidFill>
+              <a:schemeClr val="accent2"/>
+            </a:solidFill>
+          </a:ln>
+        </p:spPr>
+        <p:style>
+          <a:lnRef idx="2">
+            <a:schemeClr val="accent1">
+              <a:shade val="50000"/>
+            </a:schemeClr>
+          </a:lnRef>
+          <a:fillRef idx="1">
+            <a:schemeClr val="accent1"/>
+          </a:fillRef>
+          <a:effectRef idx="0">
+            <a:schemeClr val="accent1"/>
+          </a:effectRef>
+          <a:fontRef idx="minor">
+            <a:schemeClr val="lt1"/>
+          </a:fontRef>
+        </p:style>
+        <p:txBody>
+          <a:bodyPr anchor="ctr"/>
+          <a:lstStyle/>
+          <a:p>
+            <a:pPr algn="ctr">
+              <a:defRPr lang="ko-KR" altLang="en-US"/>
+            </a:pPr>
+            <a:endParaRPr lang="ko-KR" altLang="en-US"/>
+          </a:p>
+        </p:txBody>
+      </p:sp>
+      <p:sp>
+        <p:nvSpPr>
+          <p:cNvPr id="72" name="TextBox 8"/>
+          <p:cNvSpPr txBox="1"/>
+          <p:nvPr/>
+        </p:nvSpPr>
+        <p:spPr>
+          <a:xfrm>
+            <a:off x="9200811" y="2272814"/>
+            <a:ext cx="568366" cy="369332"/>
+          </a:xfrm>
+          <a:prstGeom prst="rect">
+            <a:avLst/>
+          </a:prstGeom>
+          <a:noFill/>
+        </p:spPr>
+        <p:txBody>
+          <a:bodyPr wrap="none">
+            <a:spAutoFit/>
+          </a:bodyPr>
+          <a:lstStyle/>
+          <a:p>
+            <a:pPr lvl="0">
+              <a:defRPr lang="ko-KR" altLang="en-US"/>
+            </a:pPr>
+            <a:r>
+              <a:rPr lang="en-US" altLang="ko-KR" b="1">
+                <a:solidFill>
+                  <a:schemeClr val="bg1"/>
+                </a:solidFill>
+              </a:rPr>
+              <a:t>00</a:t>
+            </a:r>
+            <a:r>
+              <a:rPr lang="ko-KR" altLang="en-US" b="1">
+                <a:solidFill>
+                  <a:schemeClr val="bg1"/>
+                </a:solidFill>
+              </a:rPr>
+              <a:t>9</a:t>
+            </a:r>
+            <a:endParaRPr lang="ko-KR" altLang="en-US" b="1">
+              <a:solidFill>
+                <a:schemeClr val="bg1"/>
+              </a:solidFill>
+            </a:endParaRPr>
+          </a:p>
+        </p:txBody>
+      </p:sp>
+      <p:sp>
+        <p:nvSpPr>
+          <p:cNvPr id="73" name="TextBox 12"/>
+          <p:cNvSpPr txBox="1"/>
+          <p:nvPr/>
+        </p:nvSpPr>
+        <p:spPr>
+          <a:xfrm>
+            <a:off x="9698528" y="2272814"/>
+            <a:ext cx="1756237" cy="369332"/>
+          </a:xfrm>
+          <a:prstGeom prst="rect">
+            <a:avLst/>
+          </a:prstGeom>
+          <a:noFill/>
+        </p:spPr>
+        <p:txBody>
+          <a:bodyPr wrap="none">
+            <a:spAutoFit/>
+          </a:bodyPr>
+          <a:lstStyle/>
+          <a:p>
+            <a:pPr lvl="0">
+              <a:defRPr lang="ko-KR" altLang="en-US"/>
+            </a:pPr>
+            <a:r>
+              <a:rPr lang="en-US" altLang="ko-KR" b="1" spc="-148">
+                <a:solidFill>
+                  <a:schemeClr val="bg1"/>
+                </a:solidFill>
+              </a:rPr>
+              <a:t>GitHubDeskTop</a:t>
+            </a:r>
+            <a:endParaRPr lang="en-US" altLang="ko-KR" b="1" spc="-148">
+              <a:solidFill>
+                <a:schemeClr val="bg1"/>
+              </a:solidFill>
+            </a:endParaRPr>
+          </a:p>
+        </p:txBody>
+      </p:sp>
+    </p:spTree>
+  </p:cSld>
+  <p:clrMapOvr>
+    <a:masterClrMapping/>
+  </p:clrMapOvr>
+  <p:transition xmlns:mc="http://schemas.openxmlformats.org/markup-compatibility/2006" xmlns:hp="http://schemas.haansoft.com/office/presentation/8.0" mc:Ignorable="hp" hp:hslDur="500"/>
+</p:sld>
+</file>
+
+<file path=ppt/slides/slide20.xml><?xml version="1.0" encoding="utf-8"?>
+<p:sld xmlns:r="http://schemas.openxmlformats.org/officeDocument/2006/relationships" xmlns:c="http://schemas.openxmlformats.org/drawingml/2006/chart" xmlns:a="http://schemas.openxmlformats.org/drawingml/2006/main" xmlns:dgm="http://schemas.openxmlformats.org/drawingml/2006/diagram" xmlns:dsp="http://schemas.microsoft.com/office/drawing/2008/diagram" xmlns:p="http://schemas.openxmlformats.org/presentationml/2006/main">
+  <p:cSld>
+    <p:spTree>
+      <p:nvGrpSpPr>
+        <p:cNvPr id="1" name=""/>
+        <p:cNvGrpSpPr/>
+        <p:nvPr/>
+      </p:nvGrpSpPr>
+      <p:grpSpPr>
+        <a:xfrm>
+          <a:off x="0" y="0"/>
+          <a:ext cx="0" cy="0"/>
+          <a:chOff x="0" y="0"/>
+          <a:chExt cx="0" cy="0"/>
+        </a:xfrm>
+      </p:grpSpPr>
+      <p:sp>
+        <p:nvSpPr>
+          <p:cNvPr id="2" name="직사각형 8"/>
+          <p:cNvSpPr/>
+          <p:nvPr/>
+        </p:nvSpPr>
+        <p:spPr>
+          <a:xfrm>
+            <a:off x="0" y="0"/>
+            <a:ext cx="12192000" cy="1638300"/>
+          </a:xfrm>
+          <a:prstGeom prst="rect">
+            <a:avLst/>
+          </a:prstGeom>
+          <a:solidFill>
+            <a:schemeClr val="bg2"/>
+          </a:solidFill>
+          <a:ln>
+            <a:noFill/>
+          </a:ln>
+        </p:spPr>
+        <p:style>
+          <a:lnRef idx="2">
+            <a:schemeClr val="accent1">
+              <a:shade val="50000"/>
+            </a:schemeClr>
+          </a:lnRef>
+          <a:fillRef idx="1">
+            <a:schemeClr val="accent1"/>
+          </a:fillRef>
+          <a:effectRef idx="0">
+            <a:schemeClr val="accent1"/>
+          </a:effectRef>
+          <a:fontRef idx="minor">
+            <a:schemeClr val="lt1"/>
+          </a:fontRef>
+        </p:style>
+        <p:txBody>
+          <a:bodyPr anchor="ctr"/>
+          <a:lstStyle/>
+          <a:p>
+            <a:pPr algn="ctr">
+              <a:defRPr lang="ko-KR" altLang="en-US"/>
+            </a:pPr>
+            <a:endParaRPr lang="ko-KR" altLang="en-US"/>
+          </a:p>
+        </p:txBody>
+      </p:sp>
+      <p:cxnSp>
+        <p:nvCxnSpPr>
+          <p:cNvPr id="4" name="직선 연결선 1"/>
+          <p:cNvCxnSpPr/>
+          <p:nvPr/>
+        </p:nvCxnSpPr>
+        <p:spPr>
+          <a:xfrm>
+            <a:off x="139700" y="491296"/>
+            <a:ext cx="1993900" cy="0"/>
+          </a:xfrm>
+          <a:prstGeom prst="line">
+            <a:avLst/>
+          </a:prstGeom>
+          <a:ln>
+            <a:solidFill>
+              <a:schemeClr val="accent4"/>
+            </a:solidFill>
+          </a:ln>
+        </p:spPr>
+        <p:style>
+          <a:lnRef idx="1">
+            <a:schemeClr val="accent1"/>
+          </a:lnRef>
+          <a:fillRef idx="0">
+            <a:schemeClr val="accent1"/>
+          </a:fillRef>
+          <a:effectRef idx="0">
+            <a:schemeClr val="accent1"/>
+          </a:effectRef>
+          <a:fontRef idx="minor">
+            <a:schemeClr val="tx1"/>
+          </a:fontRef>
+        </p:style>
+      </p:cxnSp>
+      <p:sp>
+        <p:nvSpPr>
+          <p:cNvPr id="6" name="TextBox 3"/>
+          <p:cNvSpPr txBox="1"/>
+          <p:nvPr/>
+        </p:nvSpPr>
+        <p:spPr>
+          <a:xfrm>
+            <a:off x="1480185" y="652394"/>
+            <a:ext cx="755433" cy="574426"/>
+          </a:xfrm>
+          <a:prstGeom prst="rect">
+            <a:avLst/>
+          </a:prstGeom>
+          <a:noFill/>
+        </p:spPr>
+        <p:txBody>
+          <a:bodyPr wrap="none">
+            <a:spAutoFit/>
+          </a:bodyPr>
+          <a:lstStyle/>
+          <a:p>
+            <a:pPr algn="r">
+              <a:defRPr lang="ko-KR" altLang="en-US"/>
+            </a:pPr>
+            <a:r>
+              <a:rPr lang="ko-KR" altLang="en-US" sz="3200" b="1">
+                <a:solidFill>
+                  <a:schemeClr val="accent4"/>
+                </a:solidFill>
+              </a:rPr>
+              <a:t>7</a:t>
+            </a:r>
+            <a:r>
+              <a:rPr lang="en-US" altLang="ko-KR" sz="3200" b="1">
+                <a:solidFill>
+                  <a:schemeClr val="accent4"/>
+                </a:solidFill>
+              </a:rPr>
+              <a:t>.2</a:t>
+            </a:r>
+            <a:endParaRPr lang="en-US" altLang="ko-KR" sz="3200" b="1">
+              <a:solidFill>
+                <a:schemeClr val="accent4"/>
+              </a:solidFill>
+            </a:endParaRPr>
+          </a:p>
+        </p:txBody>
+      </p:sp>
+      <p:sp>
+        <p:nvSpPr>
+          <p:cNvPr id="7" name="TextBox 5"/>
+          <p:cNvSpPr txBox="1"/>
+          <p:nvPr/>
+        </p:nvSpPr>
+        <p:spPr>
+          <a:xfrm>
+            <a:off x="2263852" y="645071"/>
+            <a:ext cx="3094913" cy="543649"/>
+          </a:xfrm>
+          <a:prstGeom prst="rect">
+            <a:avLst/>
+          </a:prstGeom>
+          <a:noFill/>
+        </p:spPr>
+        <p:txBody>
+          <a:bodyPr wrap="none">
+            <a:spAutoFit/>
+          </a:bodyPr>
+          <a:lstStyle/>
+          <a:p>
+            <a:pPr lvl="0">
+              <a:defRPr lang="ko-KR" altLang="en-US"/>
+            </a:pPr>
+            <a:r>
+              <a:rPr lang="ko-KR" altLang="en-US" sz="3000" spc="-155">
+                <a:solidFill>
+                  <a:schemeClr val="accent4"/>
+                </a:solidFill>
+                <a:latin typeface="+mj-ea"/>
+                <a:ea typeface="+mj-ea"/>
+              </a:rPr>
+              <a:t>시퀀스 다이어그램</a:t>
+            </a:r>
+            <a:endParaRPr lang="ko-KR" altLang="en-US" sz="3000" spc="-155">
+              <a:solidFill>
+                <a:schemeClr val="accent4"/>
+              </a:solidFill>
+              <a:latin typeface="+mj-ea"/>
+              <a:ea typeface="+mj-ea"/>
+            </a:endParaRPr>
+          </a:p>
+        </p:txBody>
+      </p:sp>
+      <p:sp>
+        <p:nvSpPr>
+          <p:cNvPr id="8" name="TextBox 6"/>
+          <p:cNvSpPr txBox="1"/>
+          <p:nvPr/>
+        </p:nvSpPr>
+        <p:spPr>
+          <a:xfrm>
+            <a:off x="2289252" y="1180991"/>
+            <a:ext cx="1697913" cy="293479"/>
+          </a:xfrm>
+          <a:prstGeom prst="rect">
+            <a:avLst/>
+          </a:prstGeom>
+          <a:noFill/>
+        </p:spPr>
+        <p:txBody>
+          <a:bodyPr wrap="none">
+            <a:spAutoFit/>
+          </a:bodyPr>
+          <a:lstStyle/>
+          <a:p>
+            <a:pPr lvl="0">
+              <a:defRPr lang="ko-KR" altLang="en-US"/>
+            </a:pPr>
+            <a:r>
+              <a:rPr lang="en-US" altLang="ko-KR" sz="1400">
+                <a:solidFill>
+                  <a:schemeClr val="accent4"/>
+                </a:solidFill>
+              </a:rPr>
+              <a:t>Sequence Diagram</a:t>
+            </a:r>
+            <a:endParaRPr lang="en-US" altLang="ko-KR" sz="1400">
+              <a:solidFill>
+                <a:schemeClr val="accent4"/>
+              </a:solidFill>
+            </a:endParaRPr>
+          </a:p>
+        </p:txBody>
+      </p:sp>
+      <p:pic>
+        <p:nvPicPr>
+          <p:cNvPr id="39" name=""/>
+          <p:cNvPicPr>
+            <a:picLocks noChangeAspect="1"/>
+          </p:cNvPicPr>
+          <p:nvPr/>
+        </p:nvPicPr>
+        <p:blipFill rotWithShape="1">
+          <a:blip r:embed="rId2"/>
+          <a:stretch>
+            <a:fillRect/>
+          </a:stretch>
+        </p:blipFill>
+        <p:spPr>
+          <a:xfrm>
+            <a:off x="1091636" y="2335939"/>
+            <a:ext cx="10267950" cy="3771900"/>
+          </a:xfrm>
+          <a:prstGeom prst="rect">
+            <a:avLst/>
+          </a:prstGeom>
+        </p:spPr>
+      </p:pic>
+    </p:spTree>
+  </p:cSld>
+  <p:clrMapOvr>
+    <a:masterClrMapping/>
+  </p:clrMapOvr>
+  <p:transition xmlns:mc="http://schemas.openxmlformats.org/markup-compatibility/2006" xmlns:hp="http://schemas.haansoft.com/office/presentation/8.0" mc:Ignorable="hp" hp:hslDur="500"/>
+</p:sld>
+</file>
+
+<file path=ppt/slides/slide21.xml><?xml version="1.0" encoding="utf-8"?>
+<p:sld xmlns:r="http://schemas.openxmlformats.org/officeDocument/2006/relationships" xmlns:c="http://schemas.openxmlformats.org/drawingml/2006/chart" xmlns:a="http://schemas.openxmlformats.org/drawingml/2006/main" xmlns:dgm="http://schemas.openxmlformats.org/drawingml/2006/diagram" xmlns:dsp="http://schemas.microsoft.com/office/drawing/2008/diagram" xmlns:p="http://schemas.openxmlformats.org/presentationml/2006/main">
+  <p:cSld>
+    <p:bg>
+      <p:bgPr shadeToTitle="0">
+        <a:solidFill>
+          <a:schemeClr val="tx2"/>
+        </a:solidFill>
+      </p:bgPr>
+    </p:bg>
+    <p:spTree>
+      <p:nvGrpSpPr>
+        <p:cNvPr id="1" name=""/>
+        <p:cNvGrpSpPr/>
+        <p:nvPr/>
+      </p:nvGrpSpPr>
+      <p:grpSpPr>
+        <a:xfrm>
+          <a:off x="0" y="0"/>
+          <a:ext cx="0" cy="0"/>
+          <a:chOff x="0" y="0"/>
+          <a:chExt cx="0" cy="0"/>
+        </a:xfrm>
+      </p:grpSpPr>
+      <p:grpSp>
+        <p:nvGrpSpPr>
+          <p:cNvPr id="3" name="그룹 2"/>
+          <p:cNvGrpSpPr/>
+          <p:nvPr/>
+        </p:nvGrpSpPr>
+        <p:grpSpPr>
+          <a:xfrm rot="0">
+            <a:off x="8117036" y="513343"/>
+            <a:ext cx="3656577" cy="3695738"/>
+            <a:chOff x="8307536" y="513343"/>
+            <a:chExt cx="3656577" cy="3695738"/>
+          </a:xfrm>
+        </p:grpSpPr>
+        <p:sp>
+          <p:nvSpPr>
+            <p:cNvPr id="8" name="이등변 삼각형 7"/>
+            <p:cNvSpPr/>
+            <p:nvPr/>
+          </p:nvSpPr>
+          <p:spPr>
+            <a:xfrm rot="5400000">
+              <a:off x="10712131" y="832233"/>
+              <a:ext cx="1344721" cy="1159242"/>
+            </a:xfrm>
+            <a:prstGeom prst="triangle">
+              <a:avLst>
+                <a:gd name="adj" fmla="val 50000"/>
+              </a:avLst>
+            </a:prstGeom>
+            <a:solidFill>
+              <a:schemeClr val="accent5"/>
+            </a:solidFill>
+            <a:ln>
+              <a:noFill/>
+            </a:ln>
+          </p:spPr>
+          <p:style>
+            <a:lnRef idx="2">
+              <a:schemeClr val="accent1">
+                <a:shade val="50000"/>
+              </a:schemeClr>
+            </a:lnRef>
+            <a:fillRef idx="1">
+              <a:schemeClr val="accent1"/>
+            </a:fillRef>
+            <a:effectRef idx="0">
+              <a:schemeClr val="accent1"/>
+            </a:effectRef>
+            <a:fontRef idx="minor">
+              <a:schemeClr val="lt1"/>
+            </a:fontRef>
+          </p:style>
+          <p:txBody>
+            <a:bodyPr anchor="ctr"/>
+            <a:lstStyle/>
+            <a:p>
+              <a:pPr algn="ctr">
+                <a:defRPr lang="ko-KR" altLang="en-US"/>
+              </a:pPr>
+              <a:endParaRPr lang="ko-KR" altLang="en-US"/>
+            </a:p>
+          </p:txBody>
+        </p:sp>
+        <p:sp>
+          <p:nvSpPr>
+            <p:cNvPr id="9" name="이등변 삼각형 8"/>
+            <p:cNvSpPr/>
+            <p:nvPr/>
+          </p:nvSpPr>
+          <p:spPr>
+            <a:xfrm rot="16200000" flipH="1">
+              <a:off x="9326503" y="606083"/>
+              <a:ext cx="1344721" cy="1159242"/>
+            </a:xfrm>
+            <a:prstGeom prst="triangle">
+              <a:avLst>
+                <a:gd name="adj" fmla="val 50000"/>
+              </a:avLst>
+            </a:prstGeom>
+            <a:solidFill>
+              <a:schemeClr val="accent4"/>
+            </a:solidFill>
+            <a:ln>
+              <a:noFill/>
+            </a:ln>
+          </p:spPr>
+          <p:style>
+            <a:lnRef idx="2">
+              <a:schemeClr val="accent1">
+                <a:shade val="50000"/>
+              </a:schemeClr>
+            </a:lnRef>
+            <a:fillRef idx="1">
+              <a:schemeClr val="accent1"/>
+            </a:fillRef>
+            <a:effectRef idx="0">
+              <a:schemeClr val="accent1"/>
+            </a:effectRef>
+            <a:fontRef idx="minor">
+              <a:schemeClr val="lt1"/>
+            </a:fontRef>
+          </p:style>
+          <p:txBody>
+            <a:bodyPr anchor="ctr"/>
+            <a:lstStyle/>
+            <a:p>
+              <a:pPr algn="ctr">
+                <a:defRPr lang="ko-KR" altLang="en-US"/>
+              </a:pPr>
+              <a:endParaRPr lang="ko-KR" altLang="en-US"/>
+            </a:p>
+          </p:txBody>
+        </p:sp>
+        <p:sp>
+          <p:nvSpPr>
+            <p:cNvPr id="10" name="이등변 삼각형 9"/>
+            <p:cNvSpPr/>
+            <p:nvPr/>
+          </p:nvSpPr>
+          <p:spPr>
+            <a:xfrm rot="5400000">
+              <a:off x="9574196" y="1657339"/>
+              <a:ext cx="1344721" cy="1159242"/>
+            </a:xfrm>
+            <a:prstGeom prst="triangle">
+              <a:avLst>
+                <a:gd name="adj" fmla="val 50000"/>
+              </a:avLst>
+            </a:prstGeom>
+            <a:solidFill>
+              <a:schemeClr val="accent3"/>
+            </a:solidFill>
+            <a:ln>
+              <a:solidFill>
+                <a:schemeClr val="accent2"/>
+              </a:solidFill>
+            </a:ln>
+          </p:spPr>
+          <p:style>
+            <a:lnRef idx="2">
+              <a:schemeClr val="accent1">
+                <a:shade val="50000"/>
+              </a:schemeClr>
+            </a:lnRef>
+            <a:fillRef idx="1">
+              <a:schemeClr val="accent1"/>
+            </a:fillRef>
+            <a:effectRef idx="0">
+              <a:schemeClr val="accent1"/>
+            </a:effectRef>
+            <a:fontRef idx="minor">
+              <a:schemeClr val="lt1"/>
+            </a:fontRef>
+          </p:style>
+          <p:txBody>
+            <a:bodyPr anchor="ctr"/>
+            <a:lstStyle/>
+            <a:p>
+              <a:pPr algn="ctr">
+                <a:defRPr lang="ko-KR" altLang="en-US"/>
+              </a:pPr>
+              <a:endParaRPr lang="ko-KR" altLang="en-US"/>
+            </a:p>
+          </p:txBody>
+        </p:sp>
+        <p:sp>
+          <p:nvSpPr>
+            <p:cNvPr id="12" name="이등변 삼각형 11"/>
+            <p:cNvSpPr/>
+            <p:nvPr/>
+          </p:nvSpPr>
+          <p:spPr>
+            <a:xfrm rot="16200000">
+              <a:off x="9812602" y="2403102"/>
+              <a:ext cx="1344720" cy="1159242"/>
+            </a:xfrm>
+            <a:prstGeom prst="triangle">
+              <a:avLst>
+                <a:gd name="adj" fmla="val 50000"/>
+              </a:avLst>
+            </a:prstGeom>
+            <a:solidFill>
+              <a:schemeClr val="bg1"/>
+            </a:solidFill>
+            <a:ln>
+              <a:solidFill>
+                <a:schemeClr val="accent1"/>
+              </a:solidFill>
+            </a:ln>
+          </p:spPr>
+          <p:style>
+            <a:lnRef idx="2">
+              <a:schemeClr val="accent1">
+                <a:shade val="50000"/>
+              </a:schemeClr>
+            </a:lnRef>
+            <a:fillRef idx="1">
+              <a:schemeClr val="accent1"/>
+            </a:fillRef>
+            <a:effectRef idx="0">
+              <a:schemeClr val="accent1"/>
+            </a:effectRef>
+            <a:fontRef idx="minor">
+              <a:schemeClr val="lt1"/>
+            </a:fontRef>
+          </p:style>
+          <p:txBody>
+            <a:bodyPr anchor="ctr"/>
+            <a:lstStyle/>
+            <a:p>
+              <a:pPr algn="ctr">
+                <a:defRPr lang="ko-KR" altLang="en-US"/>
+              </a:pPr>
+              <a:endParaRPr lang="ko-KR" altLang="en-US"/>
+            </a:p>
+          </p:txBody>
+        </p:sp>
+        <p:sp>
+          <p:nvSpPr>
+            <p:cNvPr id="13" name="이등변 삼각형 12"/>
+            <p:cNvSpPr/>
+            <p:nvPr/>
+          </p:nvSpPr>
+          <p:spPr>
+            <a:xfrm rot="5400000" flipH="1">
+              <a:off x="9232981" y="2957100"/>
+              <a:ext cx="1344720" cy="1159242"/>
+            </a:xfrm>
+            <a:prstGeom prst="triangle">
+              <a:avLst>
+                <a:gd name="adj" fmla="val 50000"/>
+              </a:avLst>
+            </a:prstGeom>
+            <a:solidFill>
+              <a:schemeClr val="accent2"/>
+            </a:solidFill>
+            <a:ln>
+              <a:noFill/>
+            </a:ln>
+          </p:spPr>
+          <p:style>
+            <a:lnRef idx="2">
+              <a:schemeClr val="accent1">
+                <a:shade val="50000"/>
+              </a:schemeClr>
+            </a:lnRef>
+            <a:fillRef idx="1">
+              <a:schemeClr val="accent1"/>
+            </a:fillRef>
+            <a:effectRef idx="0">
+              <a:schemeClr val="accent1"/>
+            </a:effectRef>
+            <a:fontRef idx="minor">
+              <a:schemeClr val="lt1"/>
+            </a:fontRef>
+          </p:style>
+          <p:txBody>
+            <a:bodyPr anchor="ctr"/>
+            <a:lstStyle/>
+            <a:p>
+              <a:pPr algn="ctr">
+                <a:defRPr lang="ko-KR" altLang="en-US"/>
+              </a:pPr>
+              <a:endParaRPr lang="ko-KR" altLang="en-US"/>
+            </a:p>
+          </p:txBody>
+        </p:sp>
+        <p:sp>
+          <p:nvSpPr>
+            <p:cNvPr id="14" name="이등변 삼각형 13"/>
+            <p:cNvSpPr/>
+            <p:nvPr/>
+          </p:nvSpPr>
+          <p:spPr>
+            <a:xfrm rot="16200000">
+              <a:off x="8214797" y="1555441"/>
+              <a:ext cx="1344720" cy="1159242"/>
+            </a:xfrm>
+            <a:prstGeom prst="triangle">
+              <a:avLst>
+                <a:gd name="adj" fmla="val 50000"/>
+              </a:avLst>
+            </a:prstGeom>
+            <a:solidFill>
+              <a:schemeClr val="accent1"/>
+            </a:solidFill>
+            <a:ln>
+              <a:solidFill>
+                <a:schemeClr val="accent1"/>
+              </a:solidFill>
+            </a:ln>
+          </p:spPr>
+          <p:style>
+            <a:lnRef idx="2">
+              <a:schemeClr val="accent1">
+                <a:shade val="50000"/>
+              </a:schemeClr>
+            </a:lnRef>
+            <a:fillRef idx="1">
+              <a:schemeClr val="accent1"/>
+            </a:fillRef>
+            <a:effectRef idx="0">
+              <a:schemeClr val="accent1"/>
+            </a:effectRef>
+            <a:fontRef idx="minor">
+              <a:schemeClr val="lt1"/>
+            </a:fontRef>
+          </p:style>
+          <p:txBody>
+            <a:bodyPr anchor="ctr"/>
+            <a:lstStyle/>
+            <a:p>
+              <a:pPr algn="ctr">
+                <a:defRPr lang="ko-KR" altLang="en-US"/>
+              </a:pPr>
+              <a:endParaRPr lang="ko-KR" altLang="en-US"/>
+            </a:p>
+          </p:txBody>
+        </p:sp>
+      </p:grpSp>
+      <p:sp>
+        <p:nvSpPr>
+          <p:cNvPr id="11" name="TextBox 10"/>
+          <p:cNvSpPr txBox="1"/>
+          <p:nvPr/>
+        </p:nvSpPr>
+        <p:spPr>
+          <a:xfrm>
+            <a:off x="527769" y="2211262"/>
+            <a:ext cx="3259371" cy="1301558"/>
+          </a:xfrm>
+          <a:prstGeom prst="rect">
+            <a:avLst/>
+          </a:prstGeom>
+          <a:noFill/>
+        </p:spPr>
+        <p:txBody>
+          <a:bodyPr wrap="none">
+            <a:spAutoFit/>
+          </a:bodyPr>
+          <a:lstStyle/>
+          <a:p>
+            <a:pPr lvl="0">
+              <a:defRPr lang="ko-KR" altLang="en-US"/>
+            </a:pPr>
+            <a:r>
+              <a:rPr lang="en-US" altLang="ko-KR" sz="8000" b="1" spc="-85">
+                <a:solidFill>
+                  <a:schemeClr val="accent2">
+                    <a:lumMod val="60000"/>
+                    <a:lumOff val="40000"/>
+                    <a:alpha val="70000"/>
+                  </a:schemeClr>
+                </a:solidFill>
+                <a:latin typeface="+mj-lt"/>
+                <a:ea typeface="THE명품고딕L"/>
+              </a:rPr>
+              <a:t>Part </a:t>
+            </a:r>
+            <a:r>
+              <a:rPr lang="ko-KR" altLang="en-US" sz="8000" b="1" spc="-85">
+                <a:solidFill>
+                  <a:schemeClr val="accent2">
+                    <a:lumMod val="60000"/>
+                    <a:lumOff val="40000"/>
+                    <a:alpha val="70000"/>
+                  </a:schemeClr>
+                </a:solidFill>
+                <a:latin typeface="+mj-lt"/>
+                <a:ea typeface="THE명품고딕L"/>
+              </a:rPr>
+              <a:t>8</a:t>
+            </a:r>
+            <a:r>
+              <a:rPr lang="en-US" altLang="ko-KR" sz="8000" b="1" spc="-85">
+                <a:solidFill>
+                  <a:schemeClr val="accent2">
+                    <a:lumMod val="60000"/>
+                    <a:lumOff val="40000"/>
+                    <a:alpha val="70000"/>
+                  </a:schemeClr>
+                </a:solidFill>
+                <a:latin typeface="+mj-lt"/>
+                <a:ea typeface="THE명품고딕L"/>
+              </a:rPr>
+              <a:t>.</a:t>
+            </a:r>
+            <a:endParaRPr lang="en-US" altLang="ko-KR" sz="8000" b="1" spc="-85">
+              <a:solidFill>
+                <a:schemeClr val="accent2">
+                  <a:lumMod val="60000"/>
+                  <a:lumOff val="40000"/>
+                  <a:alpha val="70000"/>
+                </a:schemeClr>
+              </a:solidFill>
+              <a:latin typeface="+mj-lt"/>
+              <a:ea typeface="THE명품고딕L"/>
+            </a:endParaRPr>
+          </a:p>
+        </p:txBody>
+      </p:sp>
+      <p:cxnSp>
+        <p:nvCxnSpPr>
+          <p:cNvPr id="5" name="직선 연결선 4"/>
+          <p:cNvCxnSpPr/>
+          <p:nvPr/>
+        </p:nvCxnSpPr>
+        <p:spPr>
+          <a:xfrm>
+            <a:off x="635000" y="3429236"/>
+            <a:ext cx="5080000" cy="0"/>
+          </a:xfrm>
+          <a:prstGeom prst="line">
+            <a:avLst/>
+          </a:prstGeom>
+        </p:spPr>
+        <p:style>
+          <a:lnRef idx="1">
+            <a:schemeClr val="accent1"/>
+          </a:lnRef>
+          <a:fillRef idx="0">
+            <a:schemeClr val="accent1"/>
+          </a:fillRef>
+          <a:effectRef idx="0">
+            <a:schemeClr val="accent1"/>
+          </a:effectRef>
+          <a:fontRef idx="minor">
+            <a:schemeClr val="tx1"/>
+          </a:fontRef>
+        </p:style>
+      </p:cxnSp>
+      <p:sp>
+        <p:nvSpPr>
+          <p:cNvPr id="22" name="TextBox 8"/>
+          <p:cNvSpPr txBox="1"/>
+          <p:nvPr/>
+        </p:nvSpPr>
+        <p:spPr>
+          <a:xfrm>
+            <a:off x="9766935" y="6505575"/>
+            <a:ext cx="2354993" cy="215444"/>
+          </a:xfrm>
+          <a:prstGeom prst="rect">
+            <a:avLst/>
+          </a:prstGeom>
+          <a:noFill/>
+        </p:spPr>
+        <p:txBody>
+          <a:bodyPr wrap="none">
+            <a:spAutoFit/>
+          </a:bodyPr>
+          <a:lstStyle/>
+          <a:p>
+            <a:pPr algn="r">
+              <a:defRPr lang="ko-KR" altLang="en-US"/>
+            </a:pPr>
+            <a:r>
+              <a:rPr lang="en-US" altLang="ko-KR" sz="800">
+                <a:solidFill>
+                  <a:schemeClr val="bg1"/>
+                </a:solidFill>
+                <a:latin typeface="+mn-ea"/>
+              </a:rPr>
+              <a:t>Copyrightⓒ. Kyuhyun-Lim. All Rights Reserved.</a:t>
+            </a:r>
+            <a:endParaRPr lang="en-US" altLang="ko-KR" sz="800">
+              <a:solidFill>
+                <a:schemeClr val="bg1"/>
+              </a:solidFill>
+              <a:latin typeface="+mn-ea"/>
+            </a:endParaRPr>
+          </a:p>
+        </p:txBody>
+      </p:sp>
+      <p:sp>
+        <p:nvSpPr>
+          <p:cNvPr id="18" name="TextBox 17"/>
+          <p:cNvSpPr txBox="1"/>
+          <p:nvPr/>
+        </p:nvSpPr>
+        <p:spPr>
+          <a:xfrm>
+            <a:off x="619065" y="3604072"/>
+            <a:ext cx="4777800" cy="756473"/>
+          </a:xfrm>
+          <a:prstGeom prst="rect">
+            <a:avLst/>
+          </a:prstGeom>
+          <a:noFill/>
+        </p:spPr>
+        <p:txBody>
+          <a:bodyPr wrap="none">
+            <a:spAutoFit/>
+          </a:bodyPr>
+          <a:lstStyle/>
+          <a:p>
+            <a:pPr lvl="0">
+              <a:defRPr lang="ko-KR" altLang="en-US"/>
+            </a:pPr>
+            <a:r>
+              <a:rPr lang="en-US" altLang="ko-KR" sz="4400" b="1" spc="-136">
+                <a:solidFill>
+                  <a:schemeClr val="bg1">
+                    <a:alpha val="70000"/>
+                  </a:schemeClr>
+                </a:solidFill>
+                <a:latin typeface="+mj-lt"/>
+                <a:ea typeface="THE명품고딕L"/>
+              </a:rPr>
+              <a:t>Web Demonstrate</a:t>
+            </a:r>
+            <a:endParaRPr lang="en-US" altLang="ko-KR" sz="4400" b="1" spc="-136">
+              <a:solidFill>
+                <a:schemeClr val="bg1">
+                  <a:alpha val="70000"/>
+                </a:schemeClr>
+              </a:solidFill>
+              <a:latin typeface="+mj-lt"/>
+              <a:ea typeface="THE명품고딕L"/>
+            </a:endParaRPr>
+          </a:p>
+        </p:txBody>
+      </p:sp>
+    </p:spTree>
+  </p:cSld>
+  <p:clrMapOvr>
+    <a:masterClrMapping/>
+  </p:clrMapOvr>
+  <p:transition xmlns:mc="http://schemas.openxmlformats.org/markup-compatibility/2006" xmlns:hp="http://schemas.haansoft.com/office/presentation/8.0" mc:Ignorable="hp" hp:hslDur="500"/>
+</p:sld>
+</file>
+
+<file path=ppt/slides/slide22.xml><?xml version="1.0" encoding="utf-8"?>
+<p:sld xmlns:r="http://schemas.openxmlformats.org/officeDocument/2006/relationships" xmlns:c="http://schemas.openxmlformats.org/drawingml/2006/chart" xmlns:a="http://schemas.openxmlformats.org/drawingml/2006/main" xmlns:dgm="http://schemas.openxmlformats.org/drawingml/2006/diagram" xmlns:dsp="http://schemas.microsoft.com/office/drawing/2008/diagram" xmlns:p="http://schemas.openxmlformats.org/presentationml/2006/main">
+  <p:cSld>
+    <p:bg>
+      <p:bgPr shadeToTitle="0">
+        <a:solidFill>
+          <a:schemeClr val="tx2"/>
+        </a:solidFill>
+      </p:bgPr>
+    </p:bg>
+    <p:spTree>
+      <p:nvGrpSpPr>
+        <p:cNvPr id="1" name=""/>
+        <p:cNvGrpSpPr/>
+        <p:nvPr/>
+      </p:nvGrpSpPr>
+      <p:grpSpPr>
+        <a:xfrm>
+          <a:off x="0" y="0"/>
+          <a:ext cx="0" cy="0"/>
+          <a:chOff x="0" y="0"/>
+          <a:chExt cx="0" cy="0"/>
+        </a:xfrm>
+      </p:grpSpPr>
+      <p:grpSp>
+        <p:nvGrpSpPr>
+          <p:cNvPr id="3" name="그룹 2"/>
+          <p:cNvGrpSpPr/>
+          <p:nvPr/>
+        </p:nvGrpSpPr>
+        <p:grpSpPr>
+          <a:xfrm rot="0">
+            <a:off x="8117036" y="513343"/>
+            <a:ext cx="3656577" cy="3695738"/>
+            <a:chOff x="8307536" y="513343"/>
+            <a:chExt cx="3656577" cy="3695738"/>
+          </a:xfrm>
+        </p:grpSpPr>
+        <p:sp>
+          <p:nvSpPr>
+            <p:cNvPr id="8" name="이등변 삼각형 7"/>
+            <p:cNvSpPr/>
+            <p:nvPr/>
+          </p:nvSpPr>
+          <p:spPr>
+            <a:xfrm rot="5400000">
+              <a:off x="10712131" y="832233"/>
+              <a:ext cx="1344721" cy="1159242"/>
+            </a:xfrm>
+            <a:prstGeom prst="triangle">
+              <a:avLst>
+                <a:gd name="adj" fmla="val 50000"/>
+              </a:avLst>
+            </a:prstGeom>
+            <a:solidFill>
+              <a:schemeClr val="accent5"/>
+            </a:solidFill>
+            <a:ln>
+              <a:noFill/>
+            </a:ln>
+          </p:spPr>
+          <p:style>
+            <a:lnRef idx="2">
+              <a:schemeClr val="accent1">
+                <a:shade val="50000"/>
+              </a:schemeClr>
+            </a:lnRef>
+            <a:fillRef idx="1">
+              <a:schemeClr val="accent1"/>
+            </a:fillRef>
+            <a:effectRef idx="0">
+              <a:schemeClr val="accent1"/>
+            </a:effectRef>
+            <a:fontRef idx="minor">
+              <a:schemeClr val="lt1"/>
+            </a:fontRef>
+          </p:style>
+          <p:txBody>
+            <a:bodyPr anchor="ctr"/>
+            <a:lstStyle/>
+            <a:p>
+              <a:pPr algn="ctr">
+                <a:defRPr lang="ko-KR" altLang="en-US"/>
+              </a:pPr>
+              <a:endParaRPr lang="ko-KR" altLang="en-US"/>
+            </a:p>
+          </p:txBody>
+        </p:sp>
+        <p:sp>
+          <p:nvSpPr>
+            <p:cNvPr id="9" name="이등변 삼각형 8"/>
+            <p:cNvSpPr/>
+            <p:nvPr/>
+          </p:nvSpPr>
+          <p:spPr>
+            <a:xfrm rot="16200000" flipH="1">
+              <a:off x="9326503" y="606083"/>
+              <a:ext cx="1344721" cy="1159242"/>
+            </a:xfrm>
+            <a:prstGeom prst="triangle">
+              <a:avLst>
+                <a:gd name="adj" fmla="val 50000"/>
+              </a:avLst>
+            </a:prstGeom>
+            <a:solidFill>
+              <a:schemeClr val="accent4"/>
+            </a:solidFill>
+            <a:ln>
+              <a:noFill/>
+            </a:ln>
+          </p:spPr>
+          <p:style>
+            <a:lnRef idx="2">
+              <a:schemeClr val="accent1">
+                <a:shade val="50000"/>
+              </a:schemeClr>
+            </a:lnRef>
+            <a:fillRef idx="1">
+              <a:schemeClr val="accent1"/>
+            </a:fillRef>
+            <a:effectRef idx="0">
+              <a:schemeClr val="accent1"/>
+            </a:effectRef>
+            <a:fontRef idx="minor">
+              <a:schemeClr val="lt1"/>
+            </a:fontRef>
+          </p:style>
+          <p:txBody>
+            <a:bodyPr anchor="ctr"/>
+            <a:lstStyle/>
+            <a:p>
+              <a:pPr algn="ctr">
+                <a:defRPr lang="ko-KR" altLang="en-US"/>
+              </a:pPr>
+              <a:endParaRPr lang="ko-KR" altLang="en-US"/>
+            </a:p>
+          </p:txBody>
+        </p:sp>
+        <p:sp>
+          <p:nvSpPr>
+            <p:cNvPr id="10" name="이등변 삼각형 9"/>
+            <p:cNvSpPr/>
+            <p:nvPr/>
+          </p:nvSpPr>
+          <p:spPr>
+            <a:xfrm rot="5400000">
+              <a:off x="9574196" y="1657339"/>
+              <a:ext cx="1344721" cy="1159242"/>
+            </a:xfrm>
+            <a:prstGeom prst="triangle">
+              <a:avLst>
+                <a:gd name="adj" fmla="val 50000"/>
+              </a:avLst>
+            </a:prstGeom>
+            <a:solidFill>
+              <a:schemeClr val="accent3"/>
+            </a:solidFill>
+            <a:ln>
+              <a:solidFill>
+                <a:schemeClr val="accent2"/>
+              </a:solidFill>
+            </a:ln>
+          </p:spPr>
+          <p:style>
+            <a:lnRef idx="2">
+              <a:schemeClr val="accent1">
+                <a:shade val="50000"/>
+              </a:schemeClr>
+            </a:lnRef>
+            <a:fillRef idx="1">
+              <a:schemeClr val="accent1"/>
+            </a:fillRef>
+            <a:effectRef idx="0">
+              <a:schemeClr val="accent1"/>
+            </a:effectRef>
+            <a:fontRef idx="minor">
+              <a:schemeClr val="lt1"/>
+            </a:fontRef>
+          </p:style>
+          <p:txBody>
+            <a:bodyPr anchor="ctr"/>
+            <a:lstStyle/>
+            <a:p>
+              <a:pPr algn="ctr">
+                <a:defRPr lang="ko-KR" altLang="en-US"/>
+              </a:pPr>
+              <a:endParaRPr lang="ko-KR" altLang="en-US"/>
+            </a:p>
+          </p:txBody>
+        </p:sp>
+        <p:sp>
+          <p:nvSpPr>
+            <p:cNvPr id="12" name="이등변 삼각형 11"/>
+            <p:cNvSpPr/>
+            <p:nvPr/>
+          </p:nvSpPr>
+          <p:spPr>
+            <a:xfrm rot="16200000">
+              <a:off x="9812602" y="2403102"/>
+              <a:ext cx="1344720" cy="1159242"/>
+            </a:xfrm>
+            <a:prstGeom prst="triangle">
+              <a:avLst>
+                <a:gd name="adj" fmla="val 50000"/>
+              </a:avLst>
+            </a:prstGeom>
+            <a:solidFill>
+              <a:schemeClr val="bg1"/>
+            </a:solidFill>
+            <a:ln>
+              <a:solidFill>
+                <a:schemeClr val="accent1"/>
+              </a:solidFill>
+            </a:ln>
+          </p:spPr>
+          <p:style>
+            <a:lnRef idx="2">
+              <a:schemeClr val="accent1">
+                <a:shade val="50000"/>
+              </a:schemeClr>
+            </a:lnRef>
+            <a:fillRef idx="1">
+              <a:schemeClr val="accent1"/>
+            </a:fillRef>
+            <a:effectRef idx="0">
+              <a:schemeClr val="accent1"/>
+            </a:effectRef>
+            <a:fontRef idx="minor">
+              <a:schemeClr val="lt1"/>
+            </a:fontRef>
+          </p:style>
+          <p:txBody>
+            <a:bodyPr anchor="ctr"/>
+            <a:lstStyle/>
+            <a:p>
+              <a:pPr algn="ctr">
+                <a:defRPr lang="ko-KR" altLang="en-US"/>
+              </a:pPr>
+              <a:endParaRPr lang="ko-KR" altLang="en-US"/>
+            </a:p>
+          </p:txBody>
+        </p:sp>
+        <p:sp>
+          <p:nvSpPr>
+            <p:cNvPr id="13" name="이등변 삼각형 12"/>
+            <p:cNvSpPr/>
+            <p:nvPr/>
+          </p:nvSpPr>
+          <p:spPr>
+            <a:xfrm rot="5400000" flipH="1">
+              <a:off x="9232981" y="2957100"/>
+              <a:ext cx="1344720" cy="1159242"/>
+            </a:xfrm>
+            <a:prstGeom prst="triangle">
+              <a:avLst>
+                <a:gd name="adj" fmla="val 50000"/>
+              </a:avLst>
+            </a:prstGeom>
+            <a:solidFill>
+              <a:schemeClr val="accent2"/>
+            </a:solidFill>
+            <a:ln>
+              <a:noFill/>
+            </a:ln>
+          </p:spPr>
+          <p:style>
+            <a:lnRef idx="2">
+              <a:schemeClr val="accent1">
+                <a:shade val="50000"/>
+              </a:schemeClr>
+            </a:lnRef>
+            <a:fillRef idx="1">
+              <a:schemeClr val="accent1"/>
+            </a:fillRef>
+            <a:effectRef idx="0">
+              <a:schemeClr val="accent1"/>
+            </a:effectRef>
+            <a:fontRef idx="minor">
+              <a:schemeClr val="lt1"/>
+            </a:fontRef>
+          </p:style>
+          <p:txBody>
+            <a:bodyPr anchor="ctr"/>
+            <a:lstStyle/>
+            <a:p>
+              <a:pPr algn="ctr">
+                <a:defRPr lang="ko-KR" altLang="en-US"/>
+              </a:pPr>
+              <a:endParaRPr lang="ko-KR" altLang="en-US"/>
+            </a:p>
+          </p:txBody>
+        </p:sp>
+        <p:sp>
+          <p:nvSpPr>
+            <p:cNvPr id="14" name="이등변 삼각형 13"/>
+            <p:cNvSpPr/>
+            <p:nvPr/>
+          </p:nvSpPr>
+          <p:spPr>
+            <a:xfrm rot="16200000">
+              <a:off x="8214797" y="1555441"/>
+              <a:ext cx="1344720" cy="1159242"/>
+            </a:xfrm>
+            <a:prstGeom prst="triangle">
+              <a:avLst>
+                <a:gd name="adj" fmla="val 50000"/>
+              </a:avLst>
+            </a:prstGeom>
+            <a:solidFill>
+              <a:schemeClr val="accent1"/>
+            </a:solidFill>
+            <a:ln>
+              <a:solidFill>
+                <a:schemeClr val="accent1"/>
+              </a:solidFill>
+            </a:ln>
+          </p:spPr>
+          <p:style>
+            <a:lnRef idx="2">
+              <a:schemeClr val="accent1">
+                <a:shade val="50000"/>
+              </a:schemeClr>
+            </a:lnRef>
+            <a:fillRef idx="1">
+              <a:schemeClr val="accent1"/>
+            </a:fillRef>
+            <a:effectRef idx="0">
+              <a:schemeClr val="accent1"/>
+            </a:effectRef>
+            <a:fontRef idx="minor">
+              <a:schemeClr val="lt1"/>
+            </a:fontRef>
+          </p:style>
+          <p:txBody>
+            <a:bodyPr anchor="ctr"/>
+            <a:lstStyle/>
+            <a:p>
+              <a:pPr algn="ctr">
+                <a:defRPr lang="ko-KR" altLang="en-US"/>
+              </a:pPr>
+              <a:endParaRPr lang="ko-KR" altLang="en-US"/>
+            </a:p>
+          </p:txBody>
+        </p:sp>
+      </p:grpSp>
+      <p:sp>
+        <p:nvSpPr>
+          <p:cNvPr id="11" name="TextBox 10"/>
+          <p:cNvSpPr txBox="1"/>
+          <p:nvPr/>
+        </p:nvSpPr>
+        <p:spPr>
+          <a:xfrm>
+            <a:off x="527769" y="2211262"/>
+            <a:ext cx="3259371" cy="1301558"/>
+          </a:xfrm>
+          <a:prstGeom prst="rect">
+            <a:avLst/>
+          </a:prstGeom>
+          <a:noFill/>
+        </p:spPr>
+        <p:txBody>
+          <a:bodyPr wrap="none">
+            <a:spAutoFit/>
+          </a:bodyPr>
+          <a:lstStyle/>
+          <a:p>
+            <a:pPr lvl="0">
+              <a:defRPr lang="ko-KR" altLang="en-US"/>
+            </a:pPr>
+            <a:r>
+              <a:rPr lang="en-US" altLang="ko-KR" sz="8000" b="1" spc="-85">
+                <a:solidFill>
+                  <a:schemeClr val="accent2">
+                    <a:lumMod val="60000"/>
+                    <a:lumOff val="40000"/>
+                    <a:alpha val="70000"/>
+                  </a:schemeClr>
+                </a:solidFill>
+                <a:latin typeface="+mj-lt"/>
+                <a:ea typeface="THE명품고딕L"/>
+              </a:rPr>
+              <a:t>Part </a:t>
+            </a:r>
+            <a:r>
+              <a:rPr lang="ko-KR" altLang="en-US" sz="8000" b="1" spc="-85">
+                <a:solidFill>
+                  <a:schemeClr val="accent2">
+                    <a:lumMod val="60000"/>
+                    <a:lumOff val="40000"/>
+                    <a:alpha val="70000"/>
+                  </a:schemeClr>
+                </a:solidFill>
+                <a:latin typeface="+mj-lt"/>
+                <a:ea typeface="THE명품고딕L"/>
+              </a:rPr>
+              <a:t>9</a:t>
+            </a:r>
+            <a:r>
+              <a:rPr lang="en-US" altLang="ko-KR" sz="8000" b="1" spc="-85">
+                <a:solidFill>
+                  <a:schemeClr val="accent2">
+                    <a:lumMod val="60000"/>
+                    <a:lumOff val="40000"/>
+                    <a:alpha val="70000"/>
+                  </a:schemeClr>
+                </a:solidFill>
+                <a:latin typeface="+mj-lt"/>
+                <a:ea typeface="THE명품고딕L"/>
+              </a:rPr>
+              <a:t>.</a:t>
+            </a:r>
+            <a:endParaRPr lang="en-US" altLang="ko-KR" sz="8000" b="1" spc="-85">
+              <a:solidFill>
+                <a:schemeClr val="accent2">
+                  <a:lumMod val="60000"/>
+                  <a:lumOff val="40000"/>
+                  <a:alpha val="70000"/>
+                </a:schemeClr>
+              </a:solidFill>
+              <a:latin typeface="+mj-lt"/>
+              <a:ea typeface="THE명품고딕L"/>
+            </a:endParaRPr>
+          </a:p>
+        </p:txBody>
+      </p:sp>
+      <p:cxnSp>
+        <p:nvCxnSpPr>
+          <p:cNvPr id="5" name="직선 연결선 4"/>
+          <p:cNvCxnSpPr/>
+          <p:nvPr/>
+        </p:nvCxnSpPr>
+        <p:spPr>
+          <a:xfrm>
+            <a:off x="635000" y="3429236"/>
+            <a:ext cx="5080000" cy="0"/>
+          </a:xfrm>
+          <a:prstGeom prst="line">
+            <a:avLst/>
+          </a:prstGeom>
+        </p:spPr>
+        <p:style>
+          <a:lnRef idx="1">
+            <a:schemeClr val="accent1"/>
+          </a:lnRef>
+          <a:fillRef idx="0">
+            <a:schemeClr val="accent1"/>
+          </a:fillRef>
+          <a:effectRef idx="0">
+            <a:schemeClr val="accent1"/>
+          </a:effectRef>
+          <a:fontRef idx="minor">
+            <a:schemeClr val="tx1"/>
+          </a:fontRef>
+        </p:style>
+      </p:cxnSp>
+      <p:sp>
+        <p:nvSpPr>
+          <p:cNvPr id="22" name="TextBox 8"/>
+          <p:cNvSpPr txBox="1"/>
+          <p:nvPr/>
+        </p:nvSpPr>
+        <p:spPr>
+          <a:xfrm>
+            <a:off x="9766935" y="6505575"/>
+            <a:ext cx="2354993" cy="215444"/>
+          </a:xfrm>
+          <a:prstGeom prst="rect">
+            <a:avLst/>
+          </a:prstGeom>
+          <a:noFill/>
+        </p:spPr>
+        <p:txBody>
+          <a:bodyPr wrap="none">
+            <a:spAutoFit/>
+          </a:bodyPr>
+          <a:lstStyle/>
+          <a:p>
+            <a:pPr algn="r">
+              <a:defRPr lang="ko-KR" altLang="en-US"/>
+            </a:pPr>
+            <a:r>
+              <a:rPr lang="en-US" altLang="ko-KR" sz="800">
+                <a:solidFill>
+                  <a:schemeClr val="bg1"/>
+                </a:solidFill>
+                <a:latin typeface="+mn-ea"/>
+              </a:rPr>
+              <a:t>Copyrightⓒ. Kyuhyun-Lim. All Rights Reserved.</a:t>
+            </a:r>
+            <a:endParaRPr lang="en-US" altLang="ko-KR" sz="800">
+              <a:solidFill>
+                <a:schemeClr val="bg1"/>
+              </a:solidFill>
+              <a:latin typeface="+mn-ea"/>
+            </a:endParaRPr>
+          </a:p>
+        </p:txBody>
+      </p:sp>
+      <p:sp>
+        <p:nvSpPr>
+          <p:cNvPr id="18" name="TextBox 17"/>
+          <p:cNvSpPr txBox="1"/>
+          <p:nvPr/>
+        </p:nvSpPr>
+        <p:spPr>
+          <a:xfrm>
+            <a:off x="619068" y="3604072"/>
+            <a:ext cx="4130097" cy="756472"/>
+          </a:xfrm>
+          <a:prstGeom prst="rect">
+            <a:avLst/>
+          </a:prstGeom>
+          <a:noFill/>
+        </p:spPr>
+        <p:txBody>
+          <a:bodyPr wrap="none">
+            <a:spAutoFit/>
+          </a:bodyPr>
+          <a:lstStyle/>
+          <a:p>
+            <a:pPr lvl="0">
+              <a:defRPr lang="ko-KR" altLang="en-US"/>
+            </a:pPr>
+            <a:r>
+              <a:rPr lang="en-US" altLang="ko-KR" sz="4400" b="1" spc="-136">
+                <a:solidFill>
+                  <a:schemeClr val="bg1">
+                    <a:alpha val="70000"/>
+                  </a:schemeClr>
+                </a:solidFill>
+                <a:latin typeface="+mj-lt"/>
+                <a:ea typeface="THE명품고딕L"/>
+              </a:rPr>
+              <a:t>GitHubDesktop</a:t>
+            </a:r>
+            <a:endParaRPr lang="en-US" altLang="ko-KR" sz="4400" b="1" spc="-136">
+              <a:solidFill>
+                <a:schemeClr val="bg1">
+                  <a:alpha val="70000"/>
+                </a:schemeClr>
+              </a:solidFill>
+              <a:latin typeface="+mj-lt"/>
+              <a:ea typeface="THE명품고딕L"/>
+            </a:endParaRPr>
+          </a:p>
+        </p:txBody>
+      </p:sp>
+    </p:spTree>
+  </p:cSld>
+  <p:clrMapOvr>
+    <a:masterClrMapping/>
+  </p:clrMapOvr>
+  <p:transition xmlns:mc="http://schemas.openxmlformats.org/markup-compatibility/2006" xmlns:hp="http://schemas.haansoft.com/office/presentation/8.0" mc:Ignorable="hp" hp:hslDur="500"/>
+</p:sld>
+</file>
+
+<file path=ppt/slides/slide23.xml><?xml version="1.0" encoding="utf-8"?>
+<p:sld xmlns:r="http://schemas.openxmlformats.org/officeDocument/2006/relationships" xmlns:c="http://schemas.openxmlformats.org/drawingml/2006/chart" xmlns:a="http://schemas.openxmlformats.org/drawingml/2006/main" xmlns:dgm="http://schemas.openxmlformats.org/drawingml/2006/diagram" xmlns:dsp="http://schemas.microsoft.com/office/drawing/2008/diagram" xmlns:p="http://schemas.openxmlformats.org/presentationml/2006/main">
+  <p:cSld>
+    <p:spTree>
+      <p:nvGrpSpPr>
+        <p:cNvPr id="1" name=""/>
+        <p:cNvGrpSpPr/>
+        <p:nvPr/>
+      </p:nvGrpSpPr>
+      <p:grpSpPr>
+        <a:xfrm>
+          <a:off x="0" y="0"/>
+          <a:ext cx="0" cy="0"/>
+          <a:chOff x="0" y="0"/>
+          <a:chExt cx="0" cy="0"/>
+        </a:xfrm>
+      </p:grpSpPr>
+      <p:sp>
+        <p:nvSpPr>
+          <p:cNvPr id="2" name="직사각형 8"/>
+          <p:cNvSpPr/>
+          <p:nvPr/>
+        </p:nvSpPr>
+        <p:spPr>
+          <a:xfrm>
+            <a:off x="0" y="0"/>
+            <a:ext cx="12192000" cy="1638300"/>
+          </a:xfrm>
+          <a:prstGeom prst="rect">
+            <a:avLst/>
+          </a:prstGeom>
+          <a:solidFill>
+            <a:schemeClr val="bg2"/>
+          </a:solidFill>
+          <a:ln>
+            <a:noFill/>
+          </a:ln>
+        </p:spPr>
+        <p:style>
+          <a:lnRef idx="2">
+            <a:schemeClr val="accent1">
+              <a:shade val="50000"/>
+            </a:schemeClr>
+          </a:lnRef>
+          <a:fillRef idx="1">
+            <a:schemeClr val="accent1"/>
+          </a:fillRef>
+          <a:effectRef idx="0">
+            <a:schemeClr val="accent1"/>
+          </a:effectRef>
+          <a:fontRef idx="minor">
+            <a:schemeClr val="lt1"/>
+          </a:fontRef>
+        </p:style>
+        <p:txBody>
+          <a:bodyPr anchor="ctr"/>
+          <a:lstStyle/>
+          <a:p>
+            <a:pPr algn="ctr">
+              <a:defRPr lang="ko-KR" altLang="en-US"/>
+            </a:pPr>
+            <a:endParaRPr lang="ko-KR" altLang="en-US"/>
+          </a:p>
+        </p:txBody>
+      </p:sp>
+      <p:cxnSp>
+        <p:nvCxnSpPr>
+          <p:cNvPr id="4" name="직선 연결선 1"/>
+          <p:cNvCxnSpPr/>
+          <p:nvPr/>
+        </p:nvCxnSpPr>
+        <p:spPr>
+          <a:xfrm>
+            <a:off x="139700" y="491296"/>
+            <a:ext cx="1993900" cy="0"/>
+          </a:xfrm>
+          <a:prstGeom prst="line">
+            <a:avLst/>
+          </a:prstGeom>
+          <a:ln>
+            <a:solidFill>
+              <a:schemeClr val="accent4"/>
+            </a:solidFill>
+          </a:ln>
+        </p:spPr>
+        <p:style>
+          <a:lnRef idx="1">
+            <a:schemeClr val="accent1"/>
+          </a:lnRef>
+          <a:fillRef idx="0">
+            <a:schemeClr val="accent1"/>
+          </a:fillRef>
+          <a:effectRef idx="0">
+            <a:schemeClr val="accent1"/>
+          </a:effectRef>
+          <a:fontRef idx="minor">
+            <a:schemeClr val="tx1"/>
+          </a:fontRef>
+        </p:style>
+      </p:cxnSp>
+      <p:sp>
+        <p:nvSpPr>
+          <p:cNvPr id="6" name="TextBox 3"/>
+          <p:cNvSpPr txBox="1"/>
+          <p:nvPr/>
+        </p:nvSpPr>
+        <p:spPr>
+          <a:xfrm>
+            <a:off x="1823085" y="652394"/>
+            <a:ext cx="412533" cy="574426"/>
+          </a:xfrm>
+          <a:prstGeom prst="rect">
+            <a:avLst/>
+          </a:prstGeom>
+          <a:noFill/>
+        </p:spPr>
+        <p:txBody>
+          <a:bodyPr wrap="none">
+            <a:spAutoFit/>
+          </a:bodyPr>
+          <a:lstStyle/>
+          <a:p>
+            <a:pPr algn="r">
+              <a:defRPr lang="ko-KR" altLang="en-US"/>
+            </a:pPr>
+            <a:r>
+              <a:rPr lang="ko-KR" altLang="en-US" sz="3200" b="1">
+                <a:solidFill>
+                  <a:schemeClr val="accent4"/>
+                </a:solidFill>
+              </a:rPr>
+              <a:t>9</a:t>
+            </a:r>
+            <a:endParaRPr lang="ko-KR" altLang="en-US" sz="3200" b="1">
+              <a:solidFill>
+                <a:schemeClr val="accent4"/>
+              </a:solidFill>
+            </a:endParaRPr>
+          </a:p>
+        </p:txBody>
+      </p:sp>
+      <p:sp>
+        <p:nvSpPr>
+          <p:cNvPr id="7" name="TextBox 5"/>
+          <p:cNvSpPr txBox="1"/>
+          <p:nvPr/>
+        </p:nvSpPr>
+        <p:spPr>
+          <a:xfrm>
+            <a:off x="2263852" y="645071"/>
+            <a:ext cx="2856788" cy="543649"/>
+          </a:xfrm>
+          <a:prstGeom prst="rect">
+            <a:avLst/>
+          </a:prstGeom>
+          <a:noFill/>
+        </p:spPr>
+        <p:txBody>
+          <a:bodyPr wrap="none">
+            <a:spAutoFit/>
+          </a:bodyPr>
+          <a:lstStyle/>
+          <a:p>
+            <a:pPr lvl="0">
+              <a:defRPr lang="ko-KR" altLang="en-US"/>
+            </a:pPr>
+            <a:r>
+              <a:rPr lang="en-US" altLang="ko-KR" sz="3000" spc="-155">
+                <a:solidFill>
+                  <a:schemeClr val="accent4"/>
+                </a:solidFill>
+                <a:latin typeface="+mj-ea"/>
+                <a:ea typeface="+mj-ea"/>
+              </a:rPr>
+              <a:t>Github</a:t>
+            </a:r>
+            <a:r>
+              <a:rPr lang="ko-KR" altLang="en-US" sz="3000" spc="-155">
+                <a:solidFill>
+                  <a:schemeClr val="accent4"/>
+                </a:solidFill>
+                <a:latin typeface="+mj-ea"/>
+                <a:ea typeface="+mj-ea"/>
+              </a:rPr>
+              <a:t> 파일 관리</a:t>
+            </a:r>
+            <a:endParaRPr lang="ko-KR" altLang="en-US" sz="3000" spc="-155">
+              <a:solidFill>
+                <a:schemeClr val="accent4"/>
+              </a:solidFill>
+              <a:latin typeface="+mj-ea"/>
+              <a:ea typeface="+mj-ea"/>
+            </a:endParaRPr>
+          </a:p>
+        </p:txBody>
+      </p:sp>
+      <p:sp>
+        <p:nvSpPr>
+          <p:cNvPr id="8" name="TextBox 6"/>
+          <p:cNvSpPr txBox="1"/>
+          <p:nvPr/>
+        </p:nvSpPr>
+        <p:spPr>
+          <a:xfrm>
+            <a:off x="2289252" y="1180991"/>
+            <a:ext cx="1355013" cy="293479"/>
+          </a:xfrm>
+          <a:prstGeom prst="rect">
+            <a:avLst/>
+          </a:prstGeom>
+          <a:noFill/>
+        </p:spPr>
+        <p:txBody>
+          <a:bodyPr wrap="none">
+            <a:spAutoFit/>
+          </a:bodyPr>
+          <a:lstStyle/>
+          <a:p>
+            <a:pPr lvl="0">
+              <a:defRPr lang="ko-KR" altLang="en-US"/>
+            </a:pPr>
+            <a:r>
+              <a:rPr lang="en-US" altLang="ko-KR" sz="1400">
+                <a:solidFill>
+                  <a:schemeClr val="accent4"/>
+                </a:solidFill>
+              </a:rPr>
+              <a:t>GithubDesktop</a:t>
+            </a:r>
+            <a:endParaRPr lang="en-US" altLang="ko-KR" sz="1400">
+              <a:solidFill>
+                <a:schemeClr val="accent4"/>
+              </a:solidFill>
+            </a:endParaRPr>
+          </a:p>
+        </p:txBody>
+      </p:sp>
+      <p:sp>
+        <p:nvSpPr>
+          <p:cNvPr id="9" name="TextBox 17"/>
+          <p:cNvSpPr txBox="1"/>
+          <p:nvPr/>
+        </p:nvSpPr>
+        <p:spPr>
+          <a:xfrm>
+            <a:off x="2530511" y="2832572"/>
+            <a:ext cx="6389999" cy="489748"/>
+          </a:xfrm>
+          <a:prstGeom prst="rect">
+            <a:avLst/>
+          </a:prstGeom>
+          <a:noFill/>
+        </p:spPr>
+        <p:txBody>
+          <a:bodyPr wrap="square">
+            <a:spAutoFit/>
+          </a:bodyPr>
+          <a:lstStyle/>
+          <a:p>
+            <a:pPr marL="180975" indent="-180975">
+              <a:lnSpc>
+                <a:spcPct val="130000"/>
+              </a:lnSpc>
+              <a:buFont typeface="Wingdings"/>
+              <a:buChar char="§"/>
+              <a:defRPr lang="ko-KR" altLang="en-US"/>
+            </a:pPr>
+            <a:r>
+              <a:rPr lang="ko-KR" altLang="en-US" sz="2000" spc="-205">
+                <a:solidFill>
+                  <a:schemeClr val="tx1">
+                    <a:lumMod val="60000"/>
+                    <a:lumOff val="40000"/>
+                  </a:schemeClr>
+                </a:solidFill>
+                <a:latin typeface="Noto Sans CJK KR Thin"/>
+                <a:ea typeface="Noto Sans CJK KR Thin"/>
+                <a:cs typeface="Arial"/>
+              </a:rPr>
+              <a:t>주소 :  https://github.com/thlim008/Web_Project</a:t>
+            </a:r>
+            <a:endParaRPr lang="ko-KR" altLang="en-US" sz="2000" spc="-205">
+              <a:solidFill>
+                <a:schemeClr val="tx1">
+                  <a:lumMod val="60000"/>
+                  <a:lumOff val="40000"/>
+                </a:schemeClr>
+              </a:solidFill>
+              <a:latin typeface="Noto Sans CJK KR Thin"/>
+              <a:ea typeface="Noto Sans CJK KR Thin"/>
+              <a:cs typeface="Arial"/>
+            </a:endParaRPr>
+          </a:p>
+        </p:txBody>
+      </p:sp>
+    </p:spTree>
+  </p:cSld>
+  <p:clrMapOvr>
+    <a:masterClrMapping/>
+  </p:clrMapOvr>
+  <p:transition xmlns:mc="http://schemas.openxmlformats.org/markup-compatibility/2006" xmlns:hp="http://schemas.haansoft.com/office/presentation/8.0" mc:Ignorable="hp" hp:hslDur="500"/>
+</p:sld>
+</file>
+
+<file path=ppt/slides/slide24.xml><?xml version="1.0" encoding="utf-8"?>
+<p:sld xmlns:r="http://schemas.openxmlformats.org/officeDocument/2006/relationships" xmlns:c="http://schemas.openxmlformats.org/drawingml/2006/chart" xmlns:a="http://schemas.openxmlformats.org/drawingml/2006/main" xmlns:dgm="http://schemas.openxmlformats.org/drawingml/2006/diagram" xmlns:dsp="http://schemas.microsoft.com/office/drawing/2008/diagram" xmlns:p="http://schemas.openxmlformats.org/presentationml/2006/main">
+  <p:cSld>
+    <p:bg>
+      <p:bgPr shadeToTitle="0">
+        <a:solidFill>
+          <a:schemeClr val="accent2"/>
+        </a:solidFill>
+      </p:bgPr>
+    </p:bg>
+    <p:spTree>
+      <p:nvGrpSpPr>
+        <p:cNvPr id="1" name=""/>
+        <p:cNvGrpSpPr/>
+        <p:nvPr/>
+      </p:nvGrpSpPr>
+      <p:grpSpPr>
+        <a:xfrm>
+          <a:off x="0" y="0"/>
+          <a:ext cx="0" cy="0"/>
+          <a:chOff x="0" y="0"/>
+          <a:chExt cx="0" cy="0"/>
+        </a:xfrm>
+      </p:grpSpPr>
+      <p:sp>
+        <p:nvSpPr>
+          <p:cNvPr id="7" name="TextBox 6"/>
+          <p:cNvSpPr txBox="1"/>
+          <p:nvPr/>
+        </p:nvSpPr>
+        <p:spPr>
+          <a:xfrm>
+            <a:off x="5013960" y="3058825"/>
+            <a:ext cx="2154554" cy="568295"/>
+          </a:xfrm>
+          <a:prstGeom prst="rect">
+            <a:avLst/>
+          </a:prstGeom>
+          <a:noFill/>
+        </p:spPr>
+        <p:txBody>
+          <a:bodyPr wrap="none">
+            <a:spAutoFit/>
+          </a:bodyPr>
+          <a:lstStyle/>
+          <a:p>
+            <a:pPr algn="ctr">
+              <a:defRPr lang="ko-KR" altLang="en-US"/>
+            </a:pPr>
+            <a:r>
+              <a:rPr lang="ko-KR" altLang="en-US" sz="3200">
+                <a:solidFill>
+                  <a:schemeClr val="bg1"/>
+                </a:solidFill>
+              </a:rPr>
+              <a:t>감사합니다</a:t>
+            </a:r>
+            <a:endParaRPr lang="ko-KR" altLang="en-US" sz="3200">
+              <a:solidFill>
+                <a:schemeClr val="bg1"/>
+              </a:solidFill>
+            </a:endParaRPr>
+          </a:p>
+        </p:txBody>
+      </p:sp>
+      <p:sp>
+        <p:nvSpPr>
+          <p:cNvPr id="10" name="TextBox 8"/>
+          <p:cNvSpPr txBox="1"/>
+          <p:nvPr/>
+        </p:nvSpPr>
+        <p:spPr>
+          <a:xfrm>
+            <a:off x="9766935" y="6505575"/>
+            <a:ext cx="2354993" cy="215444"/>
+          </a:xfrm>
+          <a:prstGeom prst="rect">
+            <a:avLst/>
+          </a:prstGeom>
+          <a:noFill/>
+        </p:spPr>
+        <p:txBody>
+          <a:bodyPr wrap="none">
+            <a:spAutoFit/>
+          </a:bodyPr>
+          <a:lstStyle/>
+          <a:p>
+            <a:pPr algn="r">
+              <a:defRPr lang="ko-KR" altLang="en-US"/>
+            </a:pPr>
+            <a:r>
+              <a:rPr lang="en-US" altLang="ko-KR" sz="800">
+                <a:solidFill>
+                  <a:schemeClr val="bg1"/>
+                </a:solidFill>
+                <a:latin typeface="+mn-ea"/>
+              </a:rPr>
+              <a:t>Copyrightⓒ. Kyuhyun-Lim. All Rights Reserved.</a:t>
+            </a:r>
+            <a:endParaRPr lang="en-US" altLang="ko-KR" sz="800">
+              <a:solidFill>
+                <a:schemeClr val="bg1"/>
+              </a:solidFill>
+              <a:latin typeface="+mn-ea"/>
+            </a:endParaRPr>
           </a:p>
         </p:txBody>
       </p:sp>
@@ -11052,7 +14288,7 @@
         <p:spPr>
           <a:xfrm>
             <a:off x="2263852" y="645071"/>
-            <a:ext cx="2142413" cy="543649"/>
+            <a:ext cx="2847263" cy="543649"/>
           </a:xfrm>
           <a:prstGeom prst="rect">
             <a:avLst/>
@@ -11076,7 +14312,7 @@
                 <a:latin typeface="+mj-ea"/>
                 <a:ea typeface="+mj-ea"/>
               </a:rPr>
-              <a:t>웹 목적 분석</a:t>
+              <a:t>컨텐츠 목적 분석</a:t>
             </a:r>
             <a:endParaRPr lang="ko-KR" altLang="en-US" sz="3000" spc="-155">
               <a:solidFill>
@@ -12911,7 +16147,7 @@
                   <a:schemeClr val="accent4"/>
                 </a:solidFill>
               </a:rPr>
-              <a:t>2</a:t>
+              <a:t>3</a:t>
             </a:r>
             <a:endParaRPr lang="ko-KR" altLang="en-US" sz="3200" b="1">
               <a:solidFill>
@@ -13032,8 +16268,8 @@
           <p:nvPr/>
         </p:nvGraphicFramePr>
         <p:xfrm>
-          <a:off x="1200830" y="1788205"/>
-          <a:ext cx="9947910" cy="4835141"/>
+          <a:off x="1200830" y="1721530"/>
+          <a:ext cx="9947910" cy="4935745"/>
         </p:xfrm>
         <a:graphic>
           <a:graphicData uri="http://schemas.openxmlformats.org/drawingml/2006/table">
@@ -13411,7 +16647,7 @@
                       </a:pPr>
                       <a:r>
                         <a:rPr lang="ko-KR" altLang="en-US" sz="1500" b="1"/>
-                        <a:t>능력(</a:t>
+                        <a:t>개발 능력(</a:t>
                       </a:r>
                       <a:r>
                         <a:rPr lang="en-US" altLang="ko-KR" sz="1500" b="1"/>
@@ -13505,7 +16741,113 @@
                   </a:tcPr>
                 </a:tc>
               </a:tr>
-              <a:tr h="700227">
+              <a:tr h="350113">
+                <a:tc>
+                  <a:txBody>
+                    <a:bodyPr vert="horz" wrap="square" lIns="91440" tIns="45720" rIns="91440" bIns="45720" anchor="t" anchorCtr="0">
+                      <a:spAutoFit/>
+                    </a:bodyPr>
+                    <a:p>
+                      <a:pPr algn="ctr">
+                        <a:defRPr lang="ko-KR" altLang="en-US"/>
+                      </a:pPr>
+                      <a:r>
+                        <a:rPr lang="ko-KR" altLang="en-US" sz="1500" b="1"/>
+                        <a:t>개발 경력(</a:t>
+                      </a:r>
+                      <a:r>
+                        <a:rPr lang="en-US" altLang="ko-KR" sz="1500" b="1"/>
+                        <a:t>Career.html)</a:t>
+                      </a:r>
+                      <a:endParaRPr lang="en-US" altLang="ko-KR" sz="1500" b="1"/>
+                    </a:p>
+                  </a:txBody>
+                  <a:tcPr marL="91440" marR="91440">
+                    <a:lnL w="12700" cap="flat" cmpd="sng" algn="ctr">
+                      <a:solidFill>
+                        <a:schemeClr val="tx1"/>
+                      </a:solidFill>
+                      <a:prstDash val="solid"/>
+                      <a:round/>
+                    </a:lnL>
+                    <a:lnR w="12700" cap="flat" cmpd="sng" algn="ctr">
+                      <a:solidFill>
+                        <a:schemeClr val="tx1"/>
+                      </a:solidFill>
+                      <a:prstDash val="solid"/>
+                      <a:round/>
+                    </a:lnR>
+                    <a:lnT w="12700" cap="flat" cmpd="sng" algn="ctr">
+                      <a:solidFill>
+                        <a:schemeClr val="tx1"/>
+                      </a:solidFill>
+                      <a:prstDash val="solid"/>
+                      <a:round/>
+                    </a:lnT>
+                    <a:lnB w="12700" cap="flat" cmpd="sng" algn="ctr">
+                      <a:solidFill>
+                        <a:schemeClr val="tx1"/>
+                      </a:solidFill>
+                      <a:prstDash val="solid"/>
+                      <a:round/>
+                    </a:lnB>
+                    <a:solidFill>
+                      <a:schemeClr val="bg1"/>
+                    </a:solidFill>
+                  </a:tcPr>
+                </a:tc>
+                <a:tc>
+                  <a:txBody>
+                    <a:bodyPr vert="horz" wrap="square" lIns="91440" tIns="45720" rIns="91440" bIns="45720" anchor="t" anchorCtr="0">
+                      <a:spAutoFit/>
+                    </a:bodyPr>
+                    <a:p>
+                      <a:pPr algn="ctr">
+                        <a:defRPr lang="ko-KR" altLang="en-US"/>
+                      </a:pPr>
+                      <a:r>
+                        <a:rPr lang="ko-KR" altLang="en-US" sz="1500" b="1"/>
+                        <a:t>학력, 자격증, 연구실 활동에 대한 설명 페이지로 구성한다.</a:t>
+                      </a:r>
+                      <a:endParaRPr lang="ko-KR" altLang="en-US" sz="1500" b="1"/>
+                    </a:p>
+                  </a:txBody>
+                  <a:tcPr marL="91440" marR="91440">
+                    <a:lnL w="12700" cap="flat" cmpd="sng" algn="ctr">
+                      <a:solidFill>
+                        <a:schemeClr val="tx1"/>
+                      </a:solidFill>
+                      <a:prstDash val="solid"/>
+                      <a:round/>
+                    </a:lnL>
+                    <a:lnR w="12700" cap="flat" cmpd="sng" algn="ctr">
+                      <a:solidFill>
+                        <a:schemeClr val="tx1"/>
+                      </a:solidFill>
+                      <a:prstDash val="solid"/>
+                      <a:round/>
+                    </a:lnR>
+                    <a:lnT w="12700" cap="flat" cmpd="sng" algn="ctr">
+                      <a:solidFill>
+                        <a:schemeClr val="tx1"/>
+                      </a:solidFill>
+                      <a:prstDash val="solid"/>
+                      <a:round/>
+                    </a:lnT>
+                    <a:lnB w="12700" cap="flat" cmpd="sng" algn="ctr">
+                      <a:solidFill>
+                        <a:schemeClr val="tx1"/>
+                      </a:solidFill>
+                      <a:prstDash val="solid"/>
+                      <a:round/>
+                    </a:lnB>
+                    <a:solidFill>
+                      <a:schemeClr val="bg1"/>
+                    </a:solidFill>
+                  </a:tcPr>
+                </a:tc>
+              </a:tr>
+              <a:tr h="350113">
                 <a:tc>
                   <a:txBody>
                     <a:bodyPr vert="horz" wrap="square" lIns="91440" tIns="45720" rIns="91440" bIns="45720" anchor="t" anchorCtr="0">
@@ -13607,7 +16949,7 @@
                   </a:tcPr>
                 </a:tc>
               </a:tr>
-              <a:tr h="712094">
+              <a:tr h="614172">
                 <a:tc>
                   <a:txBody>
                     <a:bodyPr vert="horz" wrap="square" lIns="91440" tIns="45720" rIns="91440" bIns="45720" anchor="t" anchorCtr="0">
